--- a/Lectures/CS296-OBJ.pptx
+++ b/Lectures/CS296-OBJ.pptx
@@ -5,24 +5,17 @@
     <p:sldMasterId id="2147483648" r:id="rId1"/>
   </p:sldMasterIdLst>
   <p:notesMasterIdLst>
-    <p:notesMasterId r:id="rId17"/>
+    <p:notesMasterId r:id="rId10"/>
   </p:notesMasterIdLst>
   <p:sldIdLst>
     <p:sldId id="260" r:id="rId2"/>
-    <p:sldId id="261" r:id="rId3"/>
-    <p:sldId id="267" r:id="rId4"/>
-    <p:sldId id="263" r:id="rId5"/>
-    <p:sldId id="265" r:id="rId6"/>
-    <p:sldId id="264" r:id="rId7"/>
+    <p:sldId id="267" r:id="rId3"/>
+    <p:sldId id="270" r:id="rId4"/>
+    <p:sldId id="273" r:id="rId5"/>
+    <p:sldId id="274" r:id="rId6"/>
+    <p:sldId id="275" r:id="rId7"/>
     <p:sldId id="276" r:id="rId8"/>
-    <p:sldId id="268" r:id="rId9"/>
-    <p:sldId id="269" r:id="rId10"/>
-    <p:sldId id="270" r:id="rId11"/>
-    <p:sldId id="275" r:id="rId12"/>
-    <p:sldId id="273" r:id="rId13"/>
-    <p:sldId id="272" r:id="rId14"/>
-    <p:sldId id="274" r:id="rId15"/>
-    <p:sldId id="271" r:id="rId16"/>
+    <p:sldId id="277" r:id="rId9"/>
   </p:sldIdLst>
   <p:sldSz cx="12192000" cy="6858000"/>
   <p:notesSz cx="6858000" cy="9144000"/>
@@ -3821,7 +3814,7 @@
                 <a:ea typeface="Lato" charset="0"/>
                 <a:cs typeface="Lato" charset="0"/>
               </a:rPr>
-              <a:t>Lab 8</a:t>
+              <a:t>The OBJ File Format</a:t>
             </a:r>
           </a:p>
         </p:txBody>
@@ -4018,7 +4011,7 @@
                 <a:ea typeface="Lato Medium" charset="0"/>
                 <a:cs typeface="Lato Medium" charset="0"/>
               </a:rPr>
-              <a:t>CS 418: Interactive Computer Graphics</a:t>
+              <a:t>CS 296</a:t>
             </a:r>
           </a:p>
         </p:txBody>
@@ -4285,7 +4278,7 @@
 </p:sld>
 </file>
 
-<file path=ppt/slides/slide10.xml><?xml version="1.0" encoding="utf-8"?>
+<file path=ppt/slides/slide2.xml><?xml version="1.0" encoding="utf-8"?>
 <p:sld xmlns:a="http://schemas.openxmlformats.org/drawingml/2006/main" xmlns:r="http://schemas.openxmlformats.org/officeDocument/2006/relationships" xmlns:p="http://schemas.openxmlformats.org/presentationml/2006/main">
   <p:cSld>
     <p:spTree>
@@ -4307,7 +4300,7 @@
           <p:cNvPr id="2" name="Title 1">
             <a:extLst>
               <a:ext uri="{FF2B5EF4-FFF2-40B4-BE49-F238E27FC236}">
-                <a16:creationId xmlns:a16="http://schemas.microsoft.com/office/drawing/2014/main" id="{40AD8860-2032-47A8-B0B9-9FD08D27D768}"/>
+                <a16:creationId xmlns:a16="http://schemas.microsoft.com/office/drawing/2014/main" id="{F513BFFA-39E2-4745-9985-51D6AABA5B79}"/>
               </a:ext>
             </a:extLst>
           </p:cNvPr>
@@ -4325,7 +4318,7 @@
           <a:p>
             <a:r>
               <a:rPr lang="en-US" dirty="0"/>
-              <a:t>Parsing the OBJ File</a:t>
+              <a:t>OBJ File Format</a:t>
             </a:r>
           </a:p>
         </p:txBody>
@@ -4335,7 +4328,7 @@
           <p:cNvPr id="3" name="Content Placeholder 2">
             <a:extLst>
               <a:ext uri="{FF2B5EF4-FFF2-40B4-BE49-F238E27FC236}">
-                <a16:creationId xmlns:a16="http://schemas.microsoft.com/office/drawing/2014/main" id="{155D6353-8988-4A6F-8C3B-32BC8A6501B7}"/>
+                <a16:creationId xmlns:a16="http://schemas.microsoft.com/office/drawing/2014/main" id="{3ACB4F6B-87F5-45DD-A54A-D6B66D95E6E4}"/>
               </a:ext>
             </a:extLst>
           </p:cNvPr>
@@ -4346,10 +4339,15 @@
             <p:ph idx="1"/>
           </p:nvPr>
         </p:nvSpPr>
-        <p:spPr/>
+        <p:spPr>
+          <a:xfrm>
+            <a:off x="795337" y="1798636"/>
+            <a:ext cx="10515600" cy="4351338"/>
+          </a:xfrm>
+        </p:spPr>
         <p:txBody>
           <a:bodyPr>
-            <a:normAutofit fontScale="70000" lnSpcReduction="20000"/>
+            <a:normAutofit/>
           </a:bodyPr>
           <a:lstStyle/>
           <a:p>
@@ -4357,125 +4355,44 @@
               <a:buNone/>
             </a:pPr>
             <a:r>
-              <a:rPr lang="en-US" dirty="0"/>
-              <a:t>You just need to parse a subset of the OBJ file format…</a:t>
+              <a:rPr lang="en-US" sz="2400" dirty="0"/>
+              <a:t>It is a text (ASCII) file format for 3D surface models</a:t>
             </a:r>
             <a:br>
-              <a:rPr lang="en-US" dirty="0"/>
+              <a:rPr lang="en-US" sz="2400" dirty="0"/>
             </a:br>
-            <a:endParaRPr lang="en-US" dirty="0"/>
-          </a:p>
-          <a:p>
-            <a:r>
-              <a:rPr lang="en-US" dirty="0"/>
-              <a:t>Lines starting with # are comments…log these to the console</a:t>
+            <a:endParaRPr lang="en-US" sz="2400" dirty="0"/>
+          </a:p>
+          <a:p>
+            <a:pPr marL="0" indent="0">
+              <a:buNone/>
+            </a:pPr>
+            <a:r>
+              <a:rPr lang="en-US" sz="2400" dirty="0"/>
+              <a:t>You will implement a parser for a subset of the format</a:t>
+            </a:r>
+          </a:p>
+          <a:p>
+            <a:pPr marL="0" indent="0">
+              <a:buNone/>
+            </a:pPr>
+            <a:endParaRPr lang="en-US" sz="2400" dirty="0"/>
+          </a:p>
+          <a:p>
+            <a:pPr marL="0" indent="0">
+              <a:buNone/>
+            </a:pPr>
+            <a:r>
+              <a:rPr lang="en-US" sz="2400" dirty="0"/>
+              <a:t>For details on the file format:</a:t>
             </a:r>
             <a:br>
-              <a:rPr lang="en-US" dirty="0"/>
+              <a:rPr lang="en-US" sz="2400" dirty="0"/>
             </a:br>
-            <a:endParaRPr lang="en-US" dirty="0"/>
-          </a:p>
-          <a:p>
-            <a:r>
-              <a:rPr lang="en-US" dirty="0"/>
-              <a:t>Lines staring with  v are vertex coordinates</a:t>
-            </a:r>
-          </a:p>
-          <a:p>
-            <a:pPr marL="0" indent="0">
-              <a:buNone/>
-            </a:pPr>
-            <a:br>
-              <a:rPr lang="en-US" dirty="0"/>
-            </a:br>
-            <a:endParaRPr lang="en-US" dirty="0"/>
-          </a:p>
-          <a:p>
-            <a:r>
-              <a:rPr lang="en-US" dirty="0"/>
-              <a:t>Lines starting with f are triangles  </a:t>
-            </a:r>
-            <a:br>
-              <a:rPr lang="en-US" dirty="0"/>
-            </a:br>
-            <a:br>
-              <a:rPr lang="en-US" dirty="0"/>
-            </a:br>
-            <a:endParaRPr lang="en-US" dirty="0"/>
-          </a:p>
-          <a:p>
-            <a:r>
-              <a:rPr lang="en-US" b="1" dirty="0">
-                <a:solidFill>
-                  <a:srgbClr val="C00000"/>
-                </a:solidFill>
-              </a:rPr>
-              <a:t>NOTE..</a:t>
-            </a:r>
-            <a:r>
-              <a:rPr lang="en-US" b="1" dirty="0" err="1">
-                <a:solidFill>
-                  <a:srgbClr val="C00000"/>
-                </a:solidFill>
-              </a:rPr>
-              <a:t>obj</a:t>
-            </a:r>
-            <a:r>
-              <a:rPr lang="en-US" b="1" dirty="0">
-                <a:solidFill>
-                  <a:srgbClr val="C00000"/>
-                </a:solidFill>
-              </a:rPr>
-              <a:t> vertex indices start at 1…you need to subtract one if your arrays will start at 0</a:t>
-            </a:r>
-          </a:p>
-          <a:p>
-            <a:pPr marL="0" indent="0">
-              <a:buNone/>
-            </a:pPr>
-            <a:endParaRPr lang="en-US" b="1" dirty="0">
-              <a:solidFill>
-                <a:srgbClr val="FF0000"/>
-              </a:solidFill>
-            </a:endParaRPr>
-          </a:p>
-          <a:p>
-            <a:pPr marL="0" indent="0">
-              <a:buNone/>
-            </a:pPr>
-            <a:r>
-              <a:rPr lang="en-US" dirty="0"/>
-              <a:t>To make things easier, assume faces have only 3 numbers in each record</a:t>
-            </a:r>
-            <a:br>
-              <a:rPr lang="en-US" dirty="0"/>
-            </a:br>
-            <a:r>
-              <a:rPr lang="en-US" dirty="0"/>
-              <a:t>…not true for full OBJ format</a:t>
-            </a:r>
-          </a:p>
-          <a:p>
-            <a:pPr marL="0" indent="0">
-              <a:buNone/>
-            </a:pPr>
-            <a:r>
-              <a:rPr lang="en-US" dirty="0"/>
-              <a:t>Read those lines and fill </a:t>
-            </a:r>
-            <a:r>
-              <a:rPr lang="en-US" dirty="0" err="1"/>
-              <a:t>this.vBuffer</a:t>
-            </a:r>
-            <a:r>
-              <a:rPr lang="en-US" dirty="0"/>
-              <a:t> and </a:t>
-            </a:r>
-            <a:r>
-              <a:rPr lang="en-US" dirty="0" err="1"/>
-              <a:t>this.fBuffer</a:t>
-            </a:r>
-            <a:endParaRPr lang="en-US" dirty="0"/>
+            <a:r>
+              <a:rPr lang="en-US" sz="2400" dirty="0"/>
+              <a:t>https://en.wikipedia.org/wiki/Wavefront_.obj_file</a:t>
+            </a:r>
           </a:p>
         </p:txBody>
       </p:sp>
@@ -4484,7 +4401,7 @@
           <p:cNvPr id="4" name="Picture 3">
             <a:extLst>
               <a:ext uri="{FF2B5EF4-FFF2-40B4-BE49-F238E27FC236}">
-                <a16:creationId xmlns:a16="http://schemas.microsoft.com/office/drawing/2014/main" id="{F687E17E-50A3-4418-879A-13E6B14D1BAA}"/>
+                <a16:creationId xmlns:a16="http://schemas.microsoft.com/office/drawing/2014/main" id="{4F4822C1-9C6D-4ABB-A850-F6415D43BF7B}"/>
               </a:ext>
             </a:extLst>
           </p:cNvPr>
@@ -4501,8 +4418,248 @@
         </p:blipFill>
         <p:spPr>
           <a:xfrm>
+            <a:off x="7680363" y="3009921"/>
+            <a:ext cx="4430675" cy="3047962"/>
+          </a:xfrm>
+          <a:prstGeom prst="rect">
+            <a:avLst/>
+          </a:prstGeom>
+          <a:ln>
+            <a:solidFill>
+              <a:schemeClr val="accent1"/>
+            </a:solidFill>
+          </a:ln>
+        </p:spPr>
+      </p:pic>
+    </p:spTree>
+    <p:extLst>
+      <p:ext uri="{BB962C8B-B14F-4D97-AF65-F5344CB8AC3E}">
+        <p14:creationId xmlns:p14="http://schemas.microsoft.com/office/powerpoint/2010/main" val="178032285"/>
+      </p:ext>
+    </p:extLst>
+  </p:cSld>
+  <p:clrMapOvr>
+    <a:masterClrMapping/>
+  </p:clrMapOvr>
+</p:sld>
+</file>
+
+<file path=ppt/slides/slide3.xml><?xml version="1.0" encoding="utf-8"?>
+<p:sld xmlns:a="http://schemas.openxmlformats.org/drawingml/2006/main" xmlns:r="http://schemas.openxmlformats.org/officeDocument/2006/relationships" xmlns:p="http://schemas.openxmlformats.org/presentationml/2006/main">
+  <p:cSld>
+    <p:spTree>
+      <p:nvGrpSpPr>
+        <p:cNvPr id="1" name=""/>
+        <p:cNvGrpSpPr/>
+        <p:nvPr/>
+      </p:nvGrpSpPr>
+      <p:grpSpPr>
+        <a:xfrm>
+          <a:off x="0" y="0"/>
+          <a:ext cx="0" cy="0"/>
+          <a:chOff x="0" y="0"/>
+          <a:chExt cx="0" cy="0"/>
+        </a:xfrm>
+      </p:grpSpPr>
+      <p:sp>
+        <p:nvSpPr>
+          <p:cNvPr id="2" name="Title 1">
+            <a:extLst>
+              <a:ext uri="{FF2B5EF4-FFF2-40B4-BE49-F238E27FC236}">
+                <a16:creationId xmlns:a16="http://schemas.microsoft.com/office/drawing/2014/main" id="{40AD8860-2032-47A8-B0B9-9FD08D27D768}"/>
+              </a:ext>
+            </a:extLst>
+          </p:cNvPr>
+          <p:cNvSpPr>
+            <a:spLocks noGrp="1"/>
+          </p:cNvSpPr>
+          <p:nvPr>
+            <p:ph type="title"/>
+          </p:nvPr>
+        </p:nvSpPr>
+        <p:spPr/>
+        <p:txBody>
+          <a:bodyPr/>
+          <a:lstStyle/>
+          <a:p>
+            <a:r>
+              <a:rPr lang="en-US" dirty="0"/>
+              <a:t>Parsing the OBJ File</a:t>
+            </a:r>
+          </a:p>
+        </p:txBody>
+      </p:sp>
+      <p:sp>
+        <p:nvSpPr>
+          <p:cNvPr id="3" name="Content Placeholder 2">
+            <a:extLst>
+              <a:ext uri="{FF2B5EF4-FFF2-40B4-BE49-F238E27FC236}">
+                <a16:creationId xmlns:a16="http://schemas.microsoft.com/office/drawing/2014/main" id="{155D6353-8988-4A6F-8C3B-32BC8A6501B7}"/>
+              </a:ext>
+            </a:extLst>
+          </p:cNvPr>
+          <p:cNvSpPr>
+            <a:spLocks noGrp="1"/>
+          </p:cNvSpPr>
+          <p:nvPr>
+            <p:ph idx="1"/>
+          </p:nvPr>
+        </p:nvSpPr>
+        <p:spPr>
+          <a:xfrm>
+            <a:off x="838200" y="1825624"/>
+            <a:ext cx="10515600" cy="4945289"/>
+          </a:xfrm>
+        </p:spPr>
+        <p:txBody>
+          <a:bodyPr>
+            <a:normAutofit fontScale="70000" lnSpcReduction="20000"/>
+          </a:bodyPr>
+          <a:lstStyle/>
+          <a:p>
+            <a:pPr marL="0" indent="0">
+              <a:buNone/>
+            </a:pPr>
+            <a:r>
+              <a:rPr lang="en-US" dirty="0"/>
+              <a:t>You just need to parse a subset of the OBJ file format…</a:t>
+            </a:r>
+            <a:br>
+              <a:rPr lang="en-US" dirty="0"/>
+            </a:br>
+            <a:endParaRPr lang="en-US" dirty="0"/>
+          </a:p>
+          <a:p>
+            <a:r>
+              <a:rPr lang="en-US" dirty="0"/>
+              <a:t>Lines starting with # are comments…log these to the console</a:t>
+            </a:r>
+            <a:br>
+              <a:rPr lang="en-US" dirty="0"/>
+            </a:br>
+            <a:endParaRPr lang="en-US" dirty="0"/>
+          </a:p>
+          <a:p>
+            <a:r>
+              <a:rPr lang="en-US" dirty="0"/>
+              <a:t>Lines staring with  v are vertex coordinates</a:t>
+            </a:r>
+          </a:p>
+          <a:p>
+            <a:pPr marL="0" indent="0">
+              <a:buNone/>
+            </a:pPr>
+            <a:br>
+              <a:rPr lang="en-US" dirty="0"/>
+            </a:br>
+            <a:endParaRPr lang="en-US" dirty="0"/>
+          </a:p>
+          <a:p>
+            <a:r>
+              <a:rPr lang="en-US" dirty="0"/>
+              <a:t>Lines starting with f are triangles  </a:t>
+            </a:r>
+            <a:br>
+              <a:rPr lang="en-US" dirty="0"/>
+            </a:br>
+            <a:br>
+              <a:rPr lang="en-US" dirty="0"/>
+            </a:br>
+            <a:br>
+              <a:rPr lang="en-US" dirty="0"/>
+            </a:br>
+            <a:br>
+              <a:rPr lang="en-US" dirty="0"/>
+            </a:br>
+            <a:endParaRPr lang="en-US" dirty="0"/>
+          </a:p>
+          <a:p>
+            <a:r>
+              <a:rPr lang="en-US" b="1" dirty="0">
+                <a:solidFill>
+                  <a:srgbClr val="C00000"/>
+                </a:solidFill>
+              </a:rPr>
+              <a:t>NOTE..</a:t>
+            </a:r>
+            <a:r>
+              <a:rPr lang="en-US" b="1" dirty="0" err="1">
+                <a:solidFill>
+                  <a:srgbClr val="C00000"/>
+                </a:solidFill>
+              </a:rPr>
+              <a:t>obj</a:t>
+            </a:r>
+            <a:r>
+              <a:rPr lang="en-US" b="1" dirty="0">
+                <a:solidFill>
+                  <a:srgbClr val="C00000"/>
+                </a:solidFill>
+              </a:rPr>
+              <a:t> vertex indices start at 1…you need to subtract one if your arrays will start at 0</a:t>
+            </a:r>
+          </a:p>
+          <a:p>
+            <a:pPr marL="0" indent="0">
+              <a:buNone/>
+            </a:pPr>
+            <a:endParaRPr lang="en-US" b="1" dirty="0">
+              <a:solidFill>
+                <a:srgbClr val="FF0000"/>
+              </a:solidFill>
+            </a:endParaRPr>
+          </a:p>
+          <a:p>
+            <a:pPr marL="0" indent="0">
+              <a:buNone/>
+            </a:pPr>
+            <a:r>
+              <a:rPr lang="en-US" dirty="0"/>
+              <a:t>To make things easier:</a:t>
+            </a:r>
+            <a:br>
+              <a:rPr lang="en-US" dirty="0"/>
+            </a:br>
+            <a:r>
+              <a:rPr lang="en-US"/>
+              <a:t> --&gt;assume </a:t>
+            </a:r>
+            <a:r>
+              <a:rPr lang="en-US" dirty="0"/>
+              <a:t>faces have only 3 numbers in each record…not true for full OBJ format</a:t>
+            </a:r>
+          </a:p>
+          <a:p>
+            <a:pPr marL="0" indent="0">
+              <a:buNone/>
+            </a:pPr>
+            <a:endParaRPr lang="en-US" dirty="0"/>
+          </a:p>
+        </p:txBody>
+      </p:sp>
+      <p:pic>
+        <p:nvPicPr>
+          <p:cNvPr id="4" name="Picture 3">
+            <a:extLst>
+              <a:ext uri="{FF2B5EF4-FFF2-40B4-BE49-F238E27FC236}">
+                <a16:creationId xmlns:a16="http://schemas.microsoft.com/office/drawing/2014/main" id="{F687E17E-50A3-4418-879A-13E6B14D1BAA}"/>
+              </a:ext>
+            </a:extLst>
+          </p:cNvPr>
+          <p:cNvPicPr>
+            <a:picLocks noChangeAspect="1"/>
+          </p:cNvPicPr>
+          <p:nvPr/>
+        </p:nvPicPr>
+        <p:blipFill rotWithShape="1">
+          <a:blip r:embed="rId2"/>
+          <a:srcRect b="17842"/>
+          <a:stretch/>
+        </p:blipFill>
+        <p:spPr>
+          <a:xfrm>
             <a:off x="1077259" y="3278911"/>
-            <a:ext cx="3086100" cy="447675"/>
+            <a:ext cx="3086100" cy="367803"/>
           </a:xfrm>
           <a:prstGeom prst="rect">
             <a:avLst/>
@@ -4552,7 +4709,7 @@
 </p:sld>
 </file>
 
-<file path=ppt/slides/slide11.xml><?xml version="1.0" encoding="utf-8"?>
+<file path=ppt/slides/slide4.xml><?xml version="1.0" encoding="utf-8"?>
 <p:sld xmlns:a="http://schemas.openxmlformats.org/drawingml/2006/main" xmlns:r="http://schemas.openxmlformats.org/officeDocument/2006/relationships" xmlns:p="http://schemas.openxmlformats.org/presentationml/2006/main">
   <p:cSld>
     <p:spTree>
@@ -4574,248 +4731,6 @@
           <p:cNvPr id="2" name="Title 1">
             <a:extLst>
               <a:ext uri="{FF2B5EF4-FFF2-40B4-BE49-F238E27FC236}">
-                <a16:creationId xmlns:a16="http://schemas.microsoft.com/office/drawing/2014/main" id="{D316265D-6FC0-4393-AD7E-2E717A2A4C92}"/>
-              </a:ext>
-            </a:extLst>
-          </p:cNvPr>
-          <p:cNvSpPr>
-            <a:spLocks noGrp="1"/>
-          </p:cNvSpPr>
-          <p:nvPr>
-            <p:ph type="title"/>
-          </p:nvPr>
-        </p:nvSpPr>
-        <p:spPr/>
-        <p:txBody>
-          <a:bodyPr/>
-          <a:lstStyle/>
-          <a:p>
-            <a:r>
-              <a:rPr lang="en-US" dirty="0"/>
-              <a:t>Useful JS functions</a:t>
-            </a:r>
-          </a:p>
-        </p:txBody>
-      </p:sp>
-      <p:sp>
-        <p:nvSpPr>
-          <p:cNvPr id="3" name="Content Placeholder 2">
-            <a:extLst>
-              <a:ext uri="{FF2B5EF4-FFF2-40B4-BE49-F238E27FC236}">
-                <a16:creationId xmlns:a16="http://schemas.microsoft.com/office/drawing/2014/main" id="{F556D23A-112D-4415-8A5B-26A0CBEC8818}"/>
-              </a:ext>
-            </a:extLst>
-          </p:cNvPr>
-          <p:cNvSpPr>
-            <a:spLocks noGrp="1"/>
-          </p:cNvSpPr>
-          <p:nvPr>
-            <p:ph idx="1"/>
-          </p:nvPr>
-        </p:nvSpPr>
-        <p:spPr>
-          <a:xfrm>
-            <a:off x="838200" y="1825624"/>
-            <a:ext cx="10515600" cy="4850093"/>
-          </a:xfrm>
-        </p:spPr>
-        <p:txBody>
-          <a:bodyPr>
-            <a:normAutofit/>
-          </a:bodyPr>
-          <a:lstStyle/>
-          <a:p>
-            <a:r>
-              <a:rPr lang="en-US" dirty="0"/>
-              <a:t>String method split()</a:t>
-            </a:r>
-            <a:br>
-              <a:rPr lang="en-US" dirty="0"/>
-            </a:br>
-            <a:br>
-              <a:rPr lang="en-US" dirty="0"/>
-            </a:br>
-            <a:br>
-              <a:rPr lang="en-US" dirty="0"/>
-            </a:br>
-            <a:br>
-              <a:rPr lang="en-US" dirty="0"/>
-            </a:br>
-            <a:r>
-              <a:rPr lang="en-US" sz="1800" dirty="0"/>
-              <a:t>https://developer.mozilla.org/en-US/docs/Web/JavaScript/Reference/Global_Objects/String/split</a:t>
-            </a:r>
-            <a:endParaRPr lang="en-US" dirty="0"/>
-          </a:p>
-          <a:p>
-            <a:r>
-              <a:rPr lang="en-US" dirty="0" err="1"/>
-              <a:t>parseFloat</a:t>
-            </a:r>
-            <a:br>
-              <a:rPr lang="en-US" dirty="0"/>
-            </a:br>
-            <a:br>
-              <a:rPr lang="en-US" dirty="0"/>
-            </a:br>
-            <a:r>
-              <a:rPr lang="en-US" sz="1800" dirty="0"/>
-              <a:t>https://developer.mozilla.org/en-US/docs/Web/JavaScript/Reference/Global_Objects/parseFloa</a:t>
-            </a:r>
-            <a:r>
-              <a:rPr lang="en-US" dirty="0"/>
-              <a:t>t</a:t>
-            </a:r>
-          </a:p>
-          <a:p>
-            <a:r>
-              <a:rPr lang="en-US" dirty="0" err="1"/>
-              <a:t>parseInt</a:t>
-            </a:r>
-            <a:br>
-              <a:rPr lang="en-US" dirty="0"/>
-            </a:br>
-            <a:br>
-              <a:rPr lang="en-US" dirty="0"/>
-            </a:br>
-            <a:endParaRPr lang="en-US" dirty="0"/>
-          </a:p>
-          <a:p>
-            <a:pPr marL="0" indent="0">
-              <a:buNone/>
-            </a:pPr>
-            <a:r>
-              <a:rPr lang="en-US" sz="1800" dirty="0"/>
-              <a:t>     https://developer.mozilla.org/en-US/docs/Web/JavaScript/Reference/Global_Objects/parseInt</a:t>
-            </a:r>
-          </a:p>
-        </p:txBody>
-      </p:sp>
-      <p:pic>
-        <p:nvPicPr>
-          <p:cNvPr id="4" name="Picture 3">
-            <a:extLst>
-              <a:ext uri="{FF2B5EF4-FFF2-40B4-BE49-F238E27FC236}">
-                <a16:creationId xmlns:a16="http://schemas.microsoft.com/office/drawing/2014/main" id="{F3AA3DD2-B900-423B-8BA0-00F4195F28BE}"/>
-              </a:ext>
-            </a:extLst>
-          </p:cNvPr>
-          <p:cNvPicPr>
-            <a:picLocks noChangeAspect="1"/>
-          </p:cNvPicPr>
-          <p:nvPr/>
-        </p:nvPicPr>
-        <p:blipFill>
-          <a:blip r:embed="rId2"/>
-          <a:stretch>
-            <a:fillRect/>
-          </a:stretch>
-        </p:blipFill>
-        <p:spPr>
-          <a:xfrm>
-            <a:off x="1093692" y="2273968"/>
-            <a:ext cx="9687859" cy="1084252"/>
-          </a:xfrm>
-          <a:prstGeom prst="rect">
-            <a:avLst/>
-          </a:prstGeom>
-        </p:spPr>
-      </p:pic>
-      <p:pic>
-        <p:nvPicPr>
-          <p:cNvPr id="5" name="Picture 4">
-            <a:extLst>
-              <a:ext uri="{FF2B5EF4-FFF2-40B4-BE49-F238E27FC236}">
-                <a16:creationId xmlns:a16="http://schemas.microsoft.com/office/drawing/2014/main" id="{01127C0B-5253-47B8-8EA1-84C783505466}"/>
-              </a:ext>
-            </a:extLst>
-          </p:cNvPr>
-          <p:cNvPicPr>
-            <a:picLocks noChangeAspect="1"/>
-          </p:cNvPicPr>
-          <p:nvPr/>
-        </p:nvPicPr>
-        <p:blipFill>
-          <a:blip r:embed="rId3"/>
-          <a:stretch>
-            <a:fillRect/>
-          </a:stretch>
-        </p:blipFill>
-        <p:spPr>
-          <a:xfrm>
-            <a:off x="1093692" y="4131571"/>
-            <a:ext cx="9478682" cy="509838"/>
-          </a:xfrm>
-          <a:prstGeom prst="rect">
-            <a:avLst/>
-          </a:prstGeom>
-        </p:spPr>
-      </p:pic>
-      <p:pic>
-        <p:nvPicPr>
-          <p:cNvPr id="6" name="Picture 5">
-            <a:extLst>
-              <a:ext uri="{FF2B5EF4-FFF2-40B4-BE49-F238E27FC236}">
-                <a16:creationId xmlns:a16="http://schemas.microsoft.com/office/drawing/2014/main" id="{5D624330-DB7D-4FA7-A3F0-548432FA6478}"/>
-              </a:ext>
-            </a:extLst>
-          </p:cNvPr>
-          <p:cNvPicPr>
-            <a:picLocks noChangeAspect="1"/>
-          </p:cNvPicPr>
-          <p:nvPr/>
-        </p:nvPicPr>
-        <p:blipFill>
-          <a:blip r:embed="rId4"/>
-          <a:stretch>
-            <a:fillRect/>
-          </a:stretch>
-        </p:blipFill>
-        <p:spPr>
-          <a:xfrm>
-            <a:off x="1039903" y="5453540"/>
-            <a:ext cx="9795435" cy="812131"/>
-          </a:xfrm>
-          <a:prstGeom prst="rect">
-            <a:avLst/>
-          </a:prstGeom>
-        </p:spPr>
-      </p:pic>
-    </p:spTree>
-    <p:extLst>
-      <p:ext uri="{BB962C8B-B14F-4D97-AF65-F5344CB8AC3E}">
-        <p14:creationId xmlns:p14="http://schemas.microsoft.com/office/powerpoint/2010/main" val="179215687"/>
-      </p:ext>
-    </p:extLst>
-  </p:cSld>
-  <p:clrMapOvr>
-    <a:masterClrMapping/>
-  </p:clrMapOvr>
-</p:sld>
-</file>
-
-<file path=ppt/slides/slide12.xml><?xml version="1.0" encoding="utf-8"?>
-<p:sld xmlns:a="http://schemas.openxmlformats.org/drawingml/2006/main" xmlns:r="http://schemas.openxmlformats.org/officeDocument/2006/relationships" xmlns:p="http://schemas.openxmlformats.org/presentationml/2006/main">
-  <p:cSld>
-    <p:spTree>
-      <p:nvGrpSpPr>
-        <p:cNvPr id="1" name=""/>
-        <p:cNvGrpSpPr/>
-        <p:nvPr/>
-      </p:nvGrpSpPr>
-      <p:grpSpPr>
-        <a:xfrm>
-          <a:off x="0" y="0"/>
-          <a:ext cx="0" cy="0"/>
-          <a:chOff x="0" y="0"/>
-          <a:chExt cx="0" cy="0"/>
-        </a:xfrm>
-      </p:grpSpPr>
-      <p:sp>
-        <p:nvSpPr>
-          <p:cNvPr id="2" name="Title 1">
-            <a:extLst>
-              <a:ext uri="{FF2B5EF4-FFF2-40B4-BE49-F238E27FC236}">
                 <a16:creationId xmlns:a16="http://schemas.microsoft.com/office/drawing/2014/main" id="{2D41BE05-28C4-4CD1-B58E-35BFA13CB43D}"/>
               </a:ext>
             </a:extLst>
@@ -4839,8 +4754,8 @@
           </a:p>
         </p:txBody>
       </p:sp>
-      <mc:AlternateContent xmlns:mc="http://schemas.openxmlformats.org/markup-compatibility/2006" xmlns:a14="http://schemas.microsoft.com/office/drawing/2010/main">
-        <mc:Choice Requires="a14">
+      <mc:AlternateContent xmlns:mc="http://schemas.openxmlformats.org/markup-compatibility/2006">
+        <mc:Choice xmlns:a14="http://schemas.microsoft.com/office/drawing/2010/main" Requires="a14">
           <p:sp>
             <p:nvSpPr>
               <p:cNvPr id="3" name="Content Placeholder 2">
@@ -4857,9 +4772,16 @@
                 <p:ph idx="1"/>
               </p:nvPr>
             </p:nvSpPr>
-            <p:spPr/>
+            <p:spPr>
+              <a:xfrm>
+                <a:off x="326570" y="2048909"/>
+                <a:ext cx="11168743" cy="4351338"/>
+              </a:xfrm>
+            </p:spPr>
             <p:txBody>
-              <a:bodyPr/>
+              <a:bodyPr>
+                <a:normAutofit/>
+              </a:bodyPr>
               <a:lstStyle/>
               <a:p>
                 <a:r>
@@ -5210,21 +5132,27 @@
               <a:p>
                 <a:r>
                   <a:rPr lang="en-US" dirty="0"/>
-                  <a:t>How can we efficiently compute the box?</a:t>
+                  <a:t>May need to transform mesh for your scene</a:t>
                 </a:r>
               </a:p>
               <a:p>
                 <a:pPr lvl="1"/>
                 <a:r>
                   <a:rPr lang="en-US" dirty="0"/>
-                  <a:t>Imagine you are given a bunch of triangles</a:t>
+                  <a:t>Affine transformations</a:t>
                 </a:r>
               </a:p>
               <a:p>
                 <a:pPr lvl="1"/>
                 <a:r>
                   <a:rPr lang="en-US" dirty="0"/>
-                  <a:t>What is the bounding box for all those triangles? </a:t>
+                  <a:t>Scale, translate, rotate…</a:t>
+                </a:r>
+              </a:p>
+              <a:p>
+                <a:r>
+                  <a:rPr lang="en-US" dirty="0"/>
+                  <a:t>Bounding box info can be used to compute appropriate transforms</a:t>
                 </a:r>
               </a:p>
               <a:p>
@@ -5233,7 +5161,7 @@
             </p:txBody>
           </p:sp>
         </mc:Choice>
-        <mc:Fallback xmlns="">
+        <mc:Fallback>
           <p:sp>
             <p:nvSpPr>
               <p:cNvPr id="3" name="Content Placeholder 2">
@@ -5251,10 +5179,14 @@
               </p:nvPr>
             </p:nvSpPr>
             <p:spPr>
+              <a:xfrm>
+                <a:off x="326570" y="2048909"/>
+                <a:ext cx="11168743" cy="4351338"/>
+              </a:xfrm>
               <a:blipFill>
                 <a:blip r:embed="rId2"/>
                 <a:stretch>
-                  <a:fillRect l="-1043" t="-2381"/>
+                  <a:fillRect l="-983" t="-2381" b="-2521"/>
                 </a:stretch>
               </a:blipFill>
             </p:spPr>
@@ -5315,1194 +5247,6 @@
 </p:sld>
 </file>
 
-<file path=ppt/slides/slide13.xml><?xml version="1.0" encoding="utf-8"?>
-<p:sld xmlns:a="http://schemas.openxmlformats.org/drawingml/2006/main" xmlns:r="http://schemas.openxmlformats.org/officeDocument/2006/relationships" xmlns:p="http://schemas.openxmlformats.org/presentationml/2006/main">
-  <p:cSld>
-    <p:spTree>
-      <p:nvGrpSpPr>
-        <p:cNvPr id="1" name=""/>
-        <p:cNvGrpSpPr/>
-        <p:nvPr/>
-      </p:nvGrpSpPr>
-      <p:grpSpPr>
-        <a:xfrm>
-          <a:off x="0" y="0"/>
-          <a:ext cx="0" cy="0"/>
-          <a:chOff x="0" y="0"/>
-          <a:chExt cx="0" cy="0"/>
-        </a:xfrm>
-      </p:grpSpPr>
-      <p:sp>
-        <p:nvSpPr>
-          <p:cNvPr id="2" name="Title 1">
-            <a:extLst>
-              <a:ext uri="{FF2B5EF4-FFF2-40B4-BE49-F238E27FC236}">
-                <a16:creationId xmlns:a16="http://schemas.microsoft.com/office/drawing/2014/main" id="{49BFD9E3-7285-4D23-A87F-3BA1E4C64C7F}"/>
-              </a:ext>
-            </a:extLst>
-          </p:cNvPr>
-          <p:cNvSpPr>
-            <a:spLocks noGrp="1"/>
-          </p:cNvSpPr>
-          <p:nvPr>
-            <p:ph type="title"/>
-          </p:nvPr>
-        </p:nvSpPr>
-        <p:spPr/>
-        <p:txBody>
-          <a:bodyPr/>
-          <a:lstStyle/>
-          <a:p>
-            <a:r>
-              <a:rPr lang="en-US" dirty="0"/>
-              <a:t>Model Size and Position</a:t>
-            </a:r>
-          </a:p>
-        </p:txBody>
-      </p:sp>
-      <p:sp>
-        <p:nvSpPr>
-          <p:cNvPr id="3" name="Content Placeholder 2">
-            <a:extLst>
-              <a:ext uri="{FF2B5EF4-FFF2-40B4-BE49-F238E27FC236}">
-                <a16:creationId xmlns:a16="http://schemas.microsoft.com/office/drawing/2014/main" id="{A0B585A8-D6FA-4793-B37D-9D5AE0A2C73A}"/>
-              </a:ext>
-            </a:extLst>
-          </p:cNvPr>
-          <p:cNvSpPr>
-            <a:spLocks noGrp="1"/>
-          </p:cNvSpPr>
-          <p:nvPr>
-            <p:ph idx="1"/>
-          </p:nvPr>
-        </p:nvSpPr>
-        <p:spPr>
-          <a:xfrm>
-            <a:off x="381000" y="1491797"/>
-            <a:ext cx="11440886" cy="5525860"/>
-          </a:xfrm>
-        </p:spPr>
-        <p:txBody>
-          <a:bodyPr>
-            <a:normAutofit/>
-          </a:bodyPr>
-          <a:lstStyle/>
-          <a:p>
-            <a:pPr marL="0" indent="0">
-              <a:buNone/>
-            </a:pPr>
-            <a:r>
-              <a:rPr lang="en-US" dirty="0"/>
-              <a:t>The cow mesh AABB:</a:t>
-            </a:r>
-            <a:br>
-              <a:rPr lang="en-US" dirty="0"/>
-            </a:br>
-            <a:endParaRPr lang="en-US" dirty="0"/>
-          </a:p>
-          <a:p>
-            <a:pPr marL="0" indent="0">
-              <a:buNone/>
-            </a:pPr>
-            <a:br>
-              <a:rPr lang="en-US" dirty="0"/>
-            </a:br>
-            <a:br>
-              <a:rPr lang="en-US" dirty="0"/>
-            </a:br>
-            <a:br>
-              <a:rPr lang="en-US" dirty="0"/>
-            </a:br>
-            <a:r>
-              <a:rPr lang="en-US" dirty="0"/>
-              <a:t>The view and projection matrices are set up to see that geometry</a:t>
-            </a:r>
-          </a:p>
-          <a:p>
-            <a:pPr marL="0" indent="0">
-              <a:buNone/>
-            </a:pPr>
-            <a:endParaRPr lang="en-US" dirty="0"/>
-          </a:p>
-          <a:p>
-            <a:pPr marL="0" indent="0">
-              <a:buNone/>
-            </a:pPr>
-            <a:r>
-              <a:rPr lang="en-US" dirty="0"/>
-              <a:t>Other meshes might not naturally be located in your view volume</a:t>
-            </a:r>
-          </a:p>
-          <a:p>
-            <a:r>
-              <a:rPr lang="en-US" dirty="0"/>
-              <a:t>May need to be translated and scaled</a:t>
-            </a:r>
-          </a:p>
-          <a:p>
-            <a:pPr marL="0" indent="0">
-              <a:buNone/>
-            </a:pPr>
-            <a:endParaRPr lang="en-US" dirty="0"/>
-          </a:p>
-          <a:p>
-            <a:pPr marL="0" indent="0">
-              <a:buNone/>
-            </a:pPr>
-            <a:r>
-              <a:rPr lang="en-US" dirty="0"/>
-              <a:t>In TriMesh.js complete the functions shown here</a:t>
-            </a:r>
-            <a:br>
-              <a:rPr lang="en-US" dirty="0"/>
-            </a:br>
-            <a:r>
-              <a:rPr lang="en-US" sz="2400" dirty="0"/>
-              <a:t>…you can use that information to determine how a mesh should be transformed</a:t>
-            </a:r>
-            <a:endParaRPr lang="en-US" dirty="0"/>
-          </a:p>
-        </p:txBody>
-      </p:sp>
-      <p:pic>
-        <p:nvPicPr>
-          <p:cNvPr id="4" name="Picture 3">
-            <a:extLst>
-              <a:ext uri="{FF2B5EF4-FFF2-40B4-BE49-F238E27FC236}">
-                <a16:creationId xmlns:a16="http://schemas.microsoft.com/office/drawing/2014/main" id="{912ED50E-E884-49DD-B4F2-1121D600651A}"/>
-              </a:ext>
-            </a:extLst>
-          </p:cNvPr>
-          <p:cNvPicPr>
-            <a:picLocks noChangeAspect="1"/>
-          </p:cNvPicPr>
-          <p:nvPr/>
-        </p:nvPicPr>
-        <p:blipFill>
-          <a:blip r:embed="rId2"/>
-          <a:stretch>
-            <a:fillRect/>
-          </a:stretch>
-        </p:blipFill>
-        <p:spPr>
-          <a:xfrm>
-            <a:off x="3868286" y="1507043"/>
-            <a:ext cx="6674529" cy="1614155"/>
-          </a:xfrm>
-          <a:prstGeom prst="rect">
-            <a:avLst/>
-          </a:prstGeom>
-          <a:ln>
-            <a:solidFill>
-              <a:schemeClr val="accent2"/>
-            </a:solidFill>
-          </a:ln>
-        </p:spPr>
-      </p:pic>
-    </p:spTree>
-    <p:extLst>
-      <p:ext uri="{BB962C8B-B14F-4D97-AF65-F5344CB8AC3E}">
-        <p14:creationId xmlns:p14="http://schemas.microsoft.com/office/powerpoint/2010/main" val="1377804109"/>
-      </p:ext>
-    </p:extLst>
-  </p:cSld>
-  <p:clrMapOvr>
-    <a:masterClrMapping/>
-  </p:clrMapOvr>
-</p:sld>
-</file>
-
-<file path=ppt/slides/slide14.xml><?xml version="1.0" encoding="utf-8"?>
-<p:sld xmlns:a="http://schemas.openxmlformats.org/drawingml/2006/main" xmlns:r="http://schemas.openxmlformats.org/officeDocument/2006/relationships" xmlns:p="http://schemas.openxmlformats.org/presentationml/2006/main">
-  <p:cSld>
-    <p:spTree>
-      <p:nvGrpSpPr>
-        <p:cNvPr id="1" name=""/>
-        <p:cNvGrpSpPr/>
-        <p:nvPr/>
-      </p:nvGrpSpPr>
-      <p:grpSpPr>
-        <a:xfrm>
-          <a:off x="0" y="0"/>
-          <a:ext cx="0" cy="0"/>
-          <a:chOff x="0" y="0"/>
-          <a:chExt cx="0" cy="0"/>
-        </a:xfrm>
-      </p:grpSpPr>
-      <p:sp>
-        <p:nvSpPr>
-          <p:cNvPr id="2" name="Title 1">
-            <a:extLst>
-              <a:ext uri="{FF2B5EF4-FFF2-40B4-BE49-F238E27FC236}">
-                <a16:creationId xmlns:a16="http://schemas.microsoft.com/office/drawing/2014/main" id="{1116FB59-CF74-484A-BDB2-1ED9FC55BE1F}"/>
-              </a:ext>
-            </a:extLst>
-          </p:cNvPr>
-          <p:cNvSpPr>
-            <a:spLocks noGrp="1"/>
-          </p:cNvSpPr>
-          <p:nvPr>
-            <p:ph type="title"/>
-          </p:nvPr>
-        </p:nvSpPr>
-        <p:spPr/>
-        <p:txBody>
-          <a:bodyPr>
-            <a:normAutofit/>
-          </a:bodyPr>
-          <a:lstStyle/>
-          <a:p>
-            <a:r>
-              <a:rPr lang="en-US" dirty="0"/>
-              <a:t>TriMesh.js:</a:t>
-            </a:r>
-            <a:br>
-              <a:rPr lang="en-US" dirty="0"/>
-            </a:br>
-            <a:r>
-              <a:rPr lang="en-US" dirty="0"/>
-              <a:t> </a:t>
-            </a:r>
-            <a:r>
-              <a:rPr lang="en-US" sz="2800" dirty="0"/>
-              <a:t>Complete </a:t>
-            </a:r>
-            <a:r>
-              <a:rPr lang="en-US" sz="2800" dirty="0" err="1">
-                <a:latin typeface="Courier New" panose="02070309020205020404" pitchFamily="49" charset="0"/>
-                <a:cs typeface="Courier New" panose="02070309020205020404" pitchFamily="49" charset="0"/>
-              </a:rPr>
-              <a:t>computeAABB</a:t>
-            </a:r>
-            <a:r>
-              <a:rPr lang="en-US" sz="2800" dirty="0">
-                <a:latin typeface="Courier New" panose="02070309020205020404" pitchFamily="49" charset="0"/>
-                <a:cs typeface="Courier New" panose="02070309020205020404" pitchFamily="49" charset="0"/>
-              </a:rPr>
-              <a:t>()</a:t>
-            </a:r>
-            <a:r>
-              <a:rPr lang="en-US" sz="2800" dirty="0"/>
-              <a:t> and </a:t>
-            </a:r>
-            <a:r>
-              <a:rPr lang="en-US" sz="2800" dirty="0" err="1">
-                <a:latin typeface="Courier New" panose="02070309020205020404" pitchFamily="49" charset="0"/>
-                <a:cs typeface="Courier New" panose="02070309020205020404" pitchFamily="49" charset="0"/>
-              </a:rPr>
-              <a:t>getAABB</a:t>
-            </a:r>
-            <a:r>
-              <a:rPr lang="en-US" sz="2800" dirty="0">
-                <a:latin typeface="Courier New" panose="02070309020205020404" pitchFamily="49" charset="0"/>
-                <a:cs typeface="Courier New" panose="02070309020205020404" pitchFamily="49" charset="0"/>
-              </a:rPr>
-              <a:t>(</a:t>
-            </a:r>
-            <a:r>
-              <a:rPr lang="en-US" sz="2800" dirty="0" err="1">
-                <a:latin typeface="Courier New" panose="02070309020205020404" pitchFamily="49" charset="0"/>
-                <a:cs typeface="Courier New" panose="02070309020205020404" pitchFamily="49" charset="0"/>
-              </a:rPr>
-              <a:t>minXYZ,maxXYZ</a:t>
-            </a:r>
-            <a:r>
-              <a:rPr lang="en-US" sz="2800" dirty="0">
-                <a:latin typeface="Courier New" panose="02070309020205020404" pitchFamily="49" charset="0"/>
-                <a:cs typeface="Courier New" panose="02070309020205020404" pitchFamily="49" charset="0"/>
-              </a:rPr>
-              <a:t>)</a:t>
-            </a:r>
-            <a:endParaRPr lang="en-US" dirty="0">
-              <a:latin typeface="Courier New" panose="02070309020205020404" pitchFamily="49" charset="0"/>
-              <a:cs typeface="Courier New" panose="02070309020205020404" pitchFamily="49" charset="0"/>
-            </a:endParaRPr>
-          </a:p>
-        </p:txBody>
-      </p:sp>
-      <p:sp>
-        <p:nvSpPr>
-          <p:cNvPr id="3" name="Content Placeholder 2">
-            <a:extLst>
-              <a:ext uri="{FF2B5EF4-FFF2-40B4-BE49-F238E27FC236}">
-                <a16:creationId xmlns:a16="http://schemas.microsoft.com/office/drawing/2014/main" id="{A3E32D05-06A0-4884-8417-6E2C7C40CED4}"/>
-              </a:ext>
-            </a:extLst>
-          </p:cNvPr>
-          <p:cNvSpPr>
-            <a:spLocks noGrp="1"/>
-          </p:cNvSpPr>
-          <p:nvPr>
-            <p:ph idx="1"/>
-          </p:nvPr>
-        </p:nvSpPr>
-        <p:spPr/>
-        <p:txBody>
-          <a:bodyPr/>
-          <a:lstStyle/>
-          <a:p>
-            <a:r>
-              <a:rPr lang="en-US" dirty="0"/>
-              <a:t>You can then use these functions in code that</a:t>
-            </a:r>
-          </a:p>
-          <a:p>
-            <a:pPr lvl="1"/>
-            <a:r>
-              <a:rPr lang="en-US" dirty="0"/>
-              <a:t>Determines if the geometry should be scaled</a:t>
-            </a:r>
-          </a:p>
-          <a:p>
-            <a:pPr lvl="1"/>
-            <a:r>
-              <a:rPr lang="en-US" dirty="0"/>
-              <a:t>Determines if the geometry should be translated</a:t>
-            </a:r>
-          </a:p>
-          <a:p>
-            <a:pPr lvl="1"/>
-            <a:r>
-              <a:rPr lang="en-US" dirty="0"/>
-              <a:t>You would apply those </a:t>
-            </a:r>
-            <a:r>
-              <a:rPr lang="en-US" dirty="0" err="1"/>
-              <a:t>tranformations</a:t>
-            </a:r>
-            <a:r>
-              <a:rPr lang="en-US" dirty="0"/>
-              <a:t> to the </a:t>
-            </a:r>
-            <a:r>
-              <a:rPr lang="en-US" dirty="0" err="1"/>
-              <a:t>MVMatrix</a:t>
-            </a:r>
-            <a:r>
-              <a:rPr lang="en-US" dirty="0"/>
-              <a:t> before drawing</a:t>
-            </a:r>
-          </a:p>
-        </p:txBody>
-      </p:sp>
-    </p:spTree>
-    <p:extLst>
-      <p:ext uri="{BB962C8B-B14F-4D97-AF65-F5344CB8AC3E}">
-        <p14:creationId xmlns:p14="http://schemas.microsoft.com/office/powerpoint/2010/main" val="2955882202"/>
-      </p:ext>
-    </p:extLst>
-  </p:cSld>
-  <p:clrMapOvr>
-    <a:masterClrMapping/>
-  </p:clrMapOvr>
-</p:sld>
-</file>
-
-<file path=ppt/slides/slide15.xml><?xml version="1.0" encoding="utf-8"?>
-<p:sld xmlns:a="http://schemas.openxmlformats.org/drawingml/2006/main" xmlns:r="http://schemas.openxmlformats.org/officeDocument/2006/relationships" xmlns:p="http://schemas.openxmlformats.org/presentationml/2006/main">
-  <p:cSld>
-    <p:bg>
-      <p:bgPr>
-        <a:solidFill>
-          <a:schemeClr val="bg1"/>
-        </a:solidFill>
-        <a:effectLst/>
-      </p:bgPr>
-    </p:bg>
-    <p:spTree>
-      <p:nvGrpSpPr>
-        <p:cNvPr id="1" name=""/>
-        <p:cNvGrpSpPr/>
-        <p:nvPr/>
-      </p:nvGrpSpPr>
-      <p:grpSpPr>
-        <a:xfrm>
-          <a:off x="0" y="0"/>
-          <a:ext cx="0" cy="0"/>
-          <a:chOff x="0" y="0"/>
-          <a:chExt cx="0" cy="0"/>
-        </a:xfrm>
-      </p:grpSpPr>
-      <p:pic>
-        <p:nvPicPr>
-          <p:cNvPr id="7" name="Content Placeholder 3">
-            <a:extLst>
-              <a:ext uri="{FF2B5EF4-FFF2-40B4-BE49-F238E27FC236}">
-                <a16:creationId xmlns:a16="http://schemas.microsoft.com/office/drawing/2014/main" id="{156EE1C2-3F23-467C-9D6F-70521C156A2E}"/>
-              </a:ext>
-            </a:extLst>
-          </p:cNvPr>
-          <p:cNvPicPr>
-            <a:picLocks noGrp="1" noChangeAspect="1"/>
-          </p:cNvPicPr>
-          <p:nvPr>
-            <p:ph idx="1"/>
-          </p:nvPr>
-        </p:nvPicPr>
-        <p:blipFill>
-          <a:blip r:embed="rId2"/>
-          <a:stretch>
-            <a:fillRect/>
-          </a:stretch>
-        </p:blipFill>
-        <p:spPr>
-          <a:xfrm>
-            <a:off x="6048872" y="492573"/>
-            <a:ext cx="4763444" cy="5880796"/>
-          </a:xfrm>
-          <a:prstGeom prst="rect">
-            <a:avLst/>
-          </a:prstGeom>
-        </p:spPr>
-      </p:pic>
-      <p:sp>
-        <p:nvSpPr>
-          <p:cNvPr id="10" name="Rectangle 9">
-            <a:extLst>
-              <a:ext uri="{FF2B5EF4-FFF2-40B4-BE49-F238E27FC236}">
-                <a16:creationId xmlns:a16="http://schemas.microsoft.com/office/drawing/2014/main" id="{AB45A142-4255-493C-8284-5D566C121B10}"/>
-              </a:ext>
-            </a:extLst>
-          </p:cNvPr>
-          <p:cNvSpPr>
-            <a:spLocks noGrp="1" noRot="1" noChangeAspect="1" noMove="1" noResize="1" noEditPoints="1" noAdjustHandles="1" noChangeArrowheads="1" noChangeShapeType="1" noTextEdit="1"/>
-          </p:cNvSpPr>
-          <p:nvPr>
-            <p:extLst>
-              <p:ext uri="{386F3935-93C4-4BCD-93E2-E3B085C9AB24}">
-                <p16:designElem xmlns:p16="http://schemas.microsoft.com/office/powerpoint/2015/main" val="1"/>
-              </p:ext>
-            </p:extLst>
-          </p:nvPr>
-        </p:nvSpPr>
-        <p:spPr bwMode="ltGray">
-          <a:xfrm>
-            <a:off x="336884" y="321177"/>
-            <a:ext cx="4332307" cy="6179552"/>
-          </a:xfrm>
-          <a:prstGeom prst="rect">
-            <a:avLst/>
-          </a:prstGeom>
-          <a:solidFill>
-            <a:schemeClr val="tx1">
-              <a:lumMod val="75000"/>
-              <a:lumOff val="25000"/>
-            </a:schemeClr>
-          </a:solidFill>
-          <a:ln w="127000" cap="sq" cmpd="thinThick">
-            <a:solidFill>
-              <a:schemeClr val="tx1">
-                <a:lumMod val="75000"/>
-                <a:lumOff val="25000"/>
-              </a:schemeClr>
-            </a:solidFill>
-          </a:ln>
-        </p:spPr>
-        <p:style>
-          <a:lnRef idx="2">
-            <a:schemeClr val="accent1">
-              <a:shade val="50000"/>
-            </a:schemeClr>
-          </a:lnRef>
-          <a:fillRef idx="1">
-            <a:schemeClr val="accent1"/>
-          </a:fillRef>
-          <a:effectRef idx="0">
-            <a:schemeClr val="accent1"/>
-          </a:effectRef>
-          <a:fontRef idx="minor">
-            <a:schemeClr val="lt1"/>
-          </a:fontRef>
-        </p:style>
-        <p:txBody>
-          <a:bodyPr rtlCol="0" anchor="ctr"/>
-          <a:lstStyle/>
-          <a:p>
-            <a:pPr algn="ctr"/>
-            <a:endParaRPr lang="en-US"/>
-          </a:p>
-        </p:txBody>
-      </p:sp>
-      <p:cxnSp>
-        <p:nvCxnSpPr>
-          <p:cNvPr id="12" name="Straight Connector 11">
-            <a:extLst>
-              <a:ext uri="{FF2B5EF4-FFF2-40B4-BE49-F238E27FC236}">
-                <a16:creationId xmlns:a16="http://schemas.microsoft.com/office/drawing/2014/main" id="{38FB9660-F42F-4313-BBC4-47C007FE484C}"/>
-              </a:ext>
-            </a:extLst>
-          </p:cNvPr>
-          <p:cNvCxnSpPr>
-            <a:cxnSpLocks noGrp="1" noRot="1" noChangeAspect="1" noMove="1" noResize="1" noEditPoints="1" noAdjustHandles="1" noChangeArrowheads="1" noChangeShapeType="1"/>
-          </p:cNvCxnSpPr>
-          <p:nvPr>
-            <p:extLst>
-              <p:ext uri="{386F3935-93C4-4BCD-93E2-E3B085C9AB24}">
-                <p16:designElem xmlns:p16="http://schemas.microsoft.com/office/powerpoint/2015/main" val="1"/>
-              </p:ext>
-            </p:extLst>
-          </p:nvPr>
-        </p:nvCxnSpPr>
-        <p:spPr>
-          <a:xfrm>
-            <a:off x="1191126" y="3910267"/>
-            <a:ext cx="2586790" cy="0"/>
-          </a:xfrm>
-          <a:prstGeom prst="line">
-            <a:avLst/>
-          </a:prstGeom>
-          <a:ln w="22225">
-            <a:solidFill>
-              <a:schemeClr val="bg1">
-                <a:lumMod val="85000"/>
-              </a:schemeClr>
-            </a:solidFill>
-          </a:ln>
-        </p:spPr>
-        <p:style>
-          <a:lnRef idx="1">
-            <a:schemeClr val="accent1"/>
-          </a:lnRef>
-          <a:fillRef idx="0">
-            <a:schemeClr val="accent1"/>
-          </a:fillRef>
-          <a:effectRef idx="0">
-            <a:schemeClr val="accent1"/>
-          </a:effectRef>
-          <a:fontRef idx="minor">
-            <a:schemeClr val="tx1"/>
-          </a:fontRef>
-        </p:style>
-      </p:cxnSp>
-      <p:sp>
-        <p:nvSpPr>
-          <p:cNvPr id="2" name="Title 1">
-            <a:extLst>
-              <a:ext uri="{FF2B5EF4-FFF2-40B4-BE49-F238E27FC236}">
-                <a16:creationId xmlns:a16="http://schemas.microsoft.com/office/drawing/2014/main" id="{6D9C1B27-E742-4FCA-A80B-B5D8A942383F}"/>
-              </a:ext>
-            </a:extLst>
-          </p:cNvPr>
-          <p:cNvSpPr>
-            <a:spLocks noGrp="1"/>
-          </p:cNvSpPr>
-          <p:nvPr>
-            <p:ph type="title"/>
-          </p:nvPr>
-        </p:nvSpPr>
-        <p:spPr>
-          <a:xfrm>
-            <a:off x="674237" y="914400"/>
-            <a:ext cx="3657600" cy="2887579"/>
-          </a:xfrm>
-        </p:spPr>
-        <p:txBody>
-          <a:bodyPr vert="horz" lIns="91440" tIns="45720" rIns="91440" bIns="45720" rtlCol="0" anchor="b">
-            <a:normAutofit/>
-          </a:bodyPr>
-          <a:lstStyle/>
-          <a:p>
-            <a:pPr algn="ctr"/>
-            <a:r>
-              <a:rPr lang="en-US" sz="4800" kern="1200">
-                <a:solidFill>
-                  <a:schemeClr val="bg1"/>
-                </a:solidFill>
-                <a:latin typeface="+mj-lt"/>
-                <a:ea typeface="+mj-ea"/>
-                <a:cs typeface="+mj-cs"/>
-              </a:rPr>
-              <a:t>Final Result</a:t>
-            </a:r>
-          </a:p>
-        </p:txBody>
-      </p:sp>
-    </p:spTree>
-    <p:extLst>
-      <p:ext uri="{BB962C8B-B14F-4D97-AF65-F5344CB8AC3E}">
-        <p14:creationId xmlns:p14="http://schemas.microsoft.com/office/powerpoint/2010/main" val="2590639120"/>
-      </p:ext>
-    </p:extLst>
-  </p:cSld>
-  <p:clrMapOvr>
-    <a:masterClrMapping/>
-  </p:clrMapOvr>
-</p:sld>
-</file>
-
-<file path=ppt/slides/slide2.xml><?xml version="1.0" encoding="utf-8"?>
-<p:sld xmlns:a="http://schemas.openxmlformats.org/drawingml/2006/main" xmlns:r="http://schemas.openxmlformats.org/officeDocument/2006/relationships" xmlns:p="http://schemas.openxmlformats.org/presentationml/2006/main">
-  <p:cSld>
-    <p:spTree>
-      <p:nvGrpSpPr>
-        <p:cNvPr id="1" name=""/>
-        <p:cNvGrpSpPr/>
-        <p:nvPr/>
-      </p:nvGrpSpPr>
-      <p:grpSpPr>
-        <a:xfrm>
-          <a:off x="0" y="0"/>
-          <a:ext cx="0" cy="0"/>
-          <a:chOff x="0" y="0"/>
-          <a:chExt cx="0" cy="0"/>
-        </a:xfrm>
-      </p:grpSpPr>
-      <p:sp>
-        <p:nvSpPr>
-          <p:cNvPr id="2" name="Title 1">
-            <a:extLst>
-              <a:ext uri="{FF2B5EF4-FFF2-40B4-BE49-F238E27FC236}">
-                <a16:creationId xmlns:a16="http://schemas.microsoft.com/office/drawing/2014/main" id="{483841BD-2736-4843-9BB9-2ABE4A57B3A5}"/>
-              </a:ext>
-            </a:extLst>
-          </p:cNvPr>
-          <p:cNvSpPr>
-            <a:spLocks noGrp="1"/>
-          </p:cNvSpPr>
-          <p:nvPr>
-            <p:ph type="title"/>
-          </p:nvPr>
-        </p:nvSpPr>
-        <p:spPr/>
-        <p:txBody>
-          <a:bodyPr/>
-          <a:lstStyle/>
-          <a:p>
-            <a:r>
-              <a:rPr lang="en-US" dirty="0"/>
-              <a:t>Goals</a:t>
-            </a:r>
-          </a:p>
-        </p:txBody>
-      </p:sp>
-      <p:sp>
-        <p:nvSpPr>
-          <p:cNvPr id="3" name="Content Placeholder 2">
-            <a:extLst>
-              <a:ext uri="{FF2B5EF4-FFF2-40B4-BE49-F238E27FC236}">
-                <a16:creationId xmlns:a16="http://schemas.microsoft.com/office/drawing/2014/main" id="{71BFFDAC-FD4A-4248-A02C-9CFF9A9E0685}"/>
-              </a:ext>
-            </a:extLst>
-          </p:cNvPr>
-          <p:cNvSpPr>
-            <a:spLocks noGrp="1"/>
-          </p:cNvSpPr>
-          <p:nvPr>
-            <p:ph idx="1"/>
-          </p:nvPr>
-        </p:nvSpPr>
-        <p:spPr>
-          <a:xfrm>
-            <a:off x="772886" y="1477282"/>
-            <a:ext cx="10515600" cy="4734832"/>
-          </a:xfrm>
-        </p:spPr>
-        <p:txBody>
-          <a:bodyPr>
-            <a:normAutofit/>
-          </a:bodyPr>
-          <a:lstStyle/>
-          <a:p>
-            <a:pPr marL="0" indent="0">
-              <a:buNone/>
-            </a:pPr>
-            <a:r>
-              <a:rPr lang="en-US" dirty="0"/>
-              <a:t>In this lab you will implement code to read a mesh from an OBJ file</a:t>
-            </a:r>
-          </a:p>
-          <a:p>
-            <a:pPr marL="0" indent="0">
-              <a:buNone/>
-            </a:pPr>
-            <a:endParaRPr lang="en-US" dirty="0"/>
-          </a:p>
-          <a:p>
-            <a:pPr marL="0" indent="0">
-              <a:buNone/>
-            </a:pPr>
-            <a:r>
-              <a:rPr lang="en-US" dirty="0"/>
-              <a:t>Things you will need to do include:</a:t>
-            </a:r>
-          </a:p>
-          <a:p>
-            <a:r>
-              <a:rPr lang="en-US" dirty="0"/>
-              <a:t>Learn how to asynchronously fetch a server side file</a:t>
-            </a:r>
-          </a:p>
-          <a:p>
-            <a:r>
-              <a:rPr lang="en-US" dirty="0"/>
-              <a:t>Handle a asynchronous event</a:t>
-            </a:r>
-          </a:p>
-          <a:p>
-            <a:pPr lvl="1"/>
-            <a:r>
-              <a:rPr lang="en-US" dirty="0"/>
-              <a:t>So you don’t try to draw before you have the mesh ready </a:t>
-            </a:r>
-          </a:p>
-          <a:p>
-            <a:r>
-              <a:rPr lang="en-US" dirty="0"/>
-              <a:t>Parse the OBJ text file using JavaScript</a:t>
-            </a:r>
-          </a:p>
-          <a:p>
-            <a:pPr lvl="1"/>
-            <a:r>
-              <a:rPr lang="en-US" dirty="0"/>
-              <a:t>So you can populate the vertex and face buffers for the mesh</a:t>
-            </a:r>
-            <a:br>
-              <a:rPr lang="en-US" dirty="0"/>
-            </a:br>
-            <a:endParaRPr lang="en-US" dirty="0"/>
-          </a:p>
-          <a:p>
-            <a:pPr marL="0" indent="0">
-              <a:buNone/>
-            </a:pPr>
-            <a:r>
-              <a:rPr lang="en-US" sz="3200" b="1" dirty="0"/>
-              <a:t>All of this code will be used in MP3</a:t>
-            </a:r>
-          </a:p>
-        </p:txBody>
-      </p:sp>
-    </p:spTree>
-    <p:extLst>
-      <p:ext uri="{BB962C8B-B14F-4D97-AF65-F5344CB8AC3E}">
-        <p14:creationId xmlns:p14="http://schemas.microsoft.com/office/powerpoint/2010/main" val="1672963677"/>
-      </p:ext>
-    </p:extLst>
-  </p:cSld>
-  <p:clrMapOvr>
-    <a:masterClrMapping/>
-  </p:clrMapOvr>
-</p:sld>
-</file>
-
-<file path=ppt/slides/slide3.xml><?xml version="1.0" encoding="utf-8"?>
-<p:sld xmlns:a="http://schemas.openxmlformats.org/drawingml/2006/main" xmlns:r="http://schemas.openxmlformats.org/officeDocument/2006/relationships" xmlns:p="http://schemas.openxmlformats.org/presentationml/2006/main">
-  <p:cSld>
-    <p:spTree>
-      <p:nvGrpSpPr>
-        <p:cNvPr id="1" name=""/>
-        <p:cNvGrpSpPr/>
-        <p:nvPr/>
-      </p:nvGrpSpPr>
-      <p:grpSpPr>
-        <a:xfrm>
-          <a:off x="0" y="0"/>
-          <a:ext cx="0" cy="0"/>
-          <a:chOff x="0" y="0"/>
-          <a:chExt cx="0" cy="0"/>
-        </a:xfrm>
-      </p:grpSpPr>
-      <p:sp>
-        <p:nvSpPr>
-          <p:cNvPr id="2" name="Title 1">
-            <a:extLst>
-              <a:ext uri="{FF2B5EF4-FFF2-40B4-BE49-F238E27FC236}">
-                <a16:creationId xmlns:a16="http://schemas.microsoft.com/office/drawing/2014/main" id="{F513BFFA-39E2-4745-9985-51D6AABA5B79}"/>
-              </a:ext>
-            </a:extLst>
-          </p:cNvPr>
-          <p:cNvSpPr>
-            <a:spLocks noGrp="1"/>
-          </p:cNvSpPr>
-          <p:nvPr>
-            <p:ph type="title"/>
-          </p:nvPr>
-        </p:nvSpPr>
-        <p:spPr/>
-        <p:txBody>
-          <a:bodyPr/>
-          <a:lstStyle/>
-          <a:p>
-            <a:r>
-              <a:rPr lang="en-US" dirty="0"/>
-              <a:t>OBJ File Format</a:t>
-            </a:r>
-          </a:p>
-        </p:txBody>
-      </p:sp>
-      <p:sp>
-        <p:nvSpPr>
-          <p:cNvPr id="3" name="Content Placeholder 2">
-            <a:extLst>
-              <a:ext uri="{FF2B5EF4-FFF2-40B4-BE49-F238E27FC236}">
-                <a16:creationId xmlns:a16="http://schemas.microsoft.com/office/drawing/2014/main" id="{3ACB4F6B-87F5-45DD-A54A-D6B66D95E6E4}"/>
-              </a:ext>
-            </a:extLst>
-          </p:cNvPr>
-          <p:cNvSpPr>
-            <a:spLocks noGrp="1"/>
-          </p:cNvSpPr>
-          <p:nvPr>
-            <p:ph idx="1"/>
-          </p:nvPr>
-        </p:nvSpPr>
-        <p:spPr>
-          <a:xfrm>
-            <a:off x="795337" y="1798636"/>
-            <a:ext cx="10515600" cy="4351338"/>
-          </a:xfrm>
-        </p:spPr>
-        <p:txBody>
-          <a:bodyPr>
-            <a:normAutofit/>
-          </a:bodyPr>
-          <a:lstStyle/>
-          <a:p>
-            <a:pPr marL="0" indent="0">
-              <a:buNone/>
-            </a:pPr>
-            <a:r>
-              <a:rPr lang="en-US" sz="2400" dirty="0"/>
-              <a:t>It is a text (ASCII) file format for 3D surface models</a:t>
-            </a:r>
-            <a:br>
-              <a:rPr lang="en-US" sz="2400" dirty="0"/>
-            </a:br>
-            <a:endParaRPr lang="en-US" sz="2400" dirty="0"/>
-          </a:p>
-          <a:p>
-            <a:pPr marL="0" indent="0">
-              <a:buNone/>
-            </a:pPr>
-            <a:r>
-              <a:rPr lang="en-US" sz="2400" dirty="0"/>
-              <a:t>You will implement a parser for a subset of the format</a:t>
-            </a:r>
-          </a:p>
-          <a:p>
-            <a:pPr marL="0" indent="0">
-              <a:buNone/>
-            </a:pPr>
-            <a:endParaRPr lang="en-US" sz="2400" dirty="0"/>
-          </a:p>
-          <a:p>
-            <a:pPr marL="0" indent="0">
-              <a:buNone/>
-            </a:pPr>
-            <a:r>
-              <a:rPr lang="en-US" sz="2400" dirty="0"/>
-              <a:t>…and render a cow</a:t>
-            </a:r>
-          </a:p>
-          <a:p>
-            <a:pPr marL="0" indent="0">
-              <a:buNone/>
-            </a:pPr>
-            <a:r>
-              <a:rPr lang="en-US" sz="2400" dirty="0"/>
-              <a:t>For details on the file format:</a:t>
-            </a:r>
-            <a:br>
-              <a:rPr lang="en-US" sz="2400" dirty="0"/>
-            </a:br>
-            <a:r>
-              <a:rPr lang="en-US" sz="2400" dirty="0"/>
-              <a:t>https://en.wikipedia.org/wiki/Wavefront_.obj_file</a:t>
-            </a:r>
-          </a:p>
-        </p:txBody>
-      </p:sp>
-      <p:pic>
-        <p:nvPicPr>
-          <p:cNvPr id="4" name="Picture 3">
-            <a:extLst>
-              <a:ext uri="{FF2B5EF4-FFF2-40B4-BE49-F238E27FC236}">
-                <a16:creationId xmlns:a16="http://schemas.microsoft.com/office/drawing/2014/main" id="{4F4822C1-9C6D-4ABB-A850-F6415D43BF7B}"/>
-              </a:ext>
-            </a:extLst>
-          </p:cNvPr>
-          <p:cNvPicPr>
-            <a:picLocks noChangeAspect="1"/>
-          </p:cNvPicPr>
-          <p:nvPr/>
-        </p:nvPicPr>
-        <p:blipFill>
-          <a:blip r:embed="rId2"/>
-          <a:stretch>
-            <a:fillRect/>
-          </a:stretch>
-        </p:blipFill>
-        <p:spPr>
-          <a:xfrm>
-            <a:off x="7680363" y="3009921"/>
-            <a:ext cx="4430675" cy="3047962"/>
-          </a:xfrm>
-          <a:prstGeom prst="rect">
-            <a:avLst/>
-          </a:prstGeom>
-          <a:ln>
-            <a:solidFill>
-              <a:schemeClr val="accent1"/>
-            </a:solidFill>
-          </a:ln>
-        </p:spPr>
-      </p:pic>
-    </p:spTree>
-    <p:extLst>
-      <p:ext uri="{BB962C8B-B14F-4D97-AF65-F5344CB8AC3E}">
-        <p14:creationId xmlns:p14="http://schemas.microsoft.com/office/powerpoint/2010/main" val="178032285"/>
-      </p:ext>
-    </p:extLst>
-  </p:cSld>
-  <p:clrMapOvr>
-    <a:masterClrMapping/>
-  </p:clrMapOvr>
-</p:sld>
-</file>
-
-<file path=ppt/slides/slide4.xml><?xml version="1.0" encoding="utf-8"?>
-<p:sld xmlns:a="http://schemas.openxmlformats.org/drawingml/2006/main" xmlns:r="http://schemas.openxmlformats.org/officeDocument/2006/relationships" xmlns:p="http://schemas.openxmlformats.org/presentationml/2006/main">
-  <p:cSld>
-    <p:spTree>
-      <p:nvGrpSpPr>
-        <p:cNvPr id="1" name=""/>
-        <p:cNvGrpSpPr/>
-        <p:nvPr/>
-      </p:nvGrpSpPr>
-      <p:grpSpPr>
-        <a:xfrm>
-          <a:off x="0" y="0"/>
-          <a:ext cx="0" cy="0"/>
-          <a:chOff x="0" y="0"/>
-          <a:chExt cx="0" cy="0"/>
-        </a:xfrm>
-      </p:grpSpPr>
-      <p:sp>
-        <p:nvSpPr>
-          <p:cNvPr id="2" name="Title 1">
-            <a:extLst>
-              <a:ext uri="{FF2B5EF4-FFF2-40B4-BE49-F238E27FC236}">
-                <a16:creationId xmlns:a16="http://schemas.microsoft.com/office/drawing/2014/main" id="{76546475-1154-480E-807E-0EFF2D5AB0E8}"/>
-              </a:ext>
-            </a:extLst>
-          </p:cNvPr>
-          <p:cNvSpPr>
-            <a:spLocks noGrp="1"/>
-          </p:cNvSpPr>
-          <p:nvPr>
-            <p:ph type="title"/>
-          </p:nvPr>
-        </p:nvSpPr>
-        <p:spPr/>
-        <p:txBody>
-          <a:bodyPr/>
-          <a:lstStyle/>
-          <a:p>
-            <a:r>
-              <a:rPr lang="en-US" dirty="0"/>
-              <a:t>Asynchronously Read a File</a:t>
-            </a:r>
-          </a:p>
-        </p:txBody>
-      </p:sp>
-      <p:sp>
-        <p:nvSpPr>
-          <p:cNvPr id="3" name="Content Placeholder 2">
-            <a:extLst>
-              <a:ext uri="{FF2B5EF4-FFF2-40B4-BE49-F238E27FC236}">
-                <a16:creationId xmlns:a16="http://schemas.microsoft.com/office/drawing/2014/main" id="{0CCEEFD9-ADAE-4DF2-94E0-528F13157D2F}"/>
-              </a:ext>
-            </a:extLst>
-          </p:cNvPr>
-          <p:cNvSpPr>
-            <a:spLocks noGrp="1"/>
-          </p:cNvSpPr>
-          <p:nvPr>
-            <p:ph idx="1"/>
-          </p:nvPr>
-        </p:nvSpPr>
-        <p:spPr>
-          <a:xfrm>
-            <a:off x="838200" y="1825625"/>
-            <a:ext cx="11220450" cy="4351338"/>
-          </a:xfrm>
-        </p:spPr>
-        <p:txBody>
-          <a:bodyPr/>
-          <a:lstStyle/>
-          <a:p>
-            <a:pPr marL="0" indent="0">
-              <a:buNone/>
-            </a:pPr>
-            <a:r>
-              <a:rPr lang="en-US" dirty="0"/>
-              <a:t>To start, we need to be able to read a text file</a:t>
-            </a:r>
-          </a:p>
-          <a:p>
-            <a:pPr marL="0" indent="0">
-              <a:buNone/>
-            </a:pPr>
-            <a:endParaRPr lang="en-US" dirty="0"/>
-          </a:p>
-          <a:p>
-            <a:pPr marL="0" indent="0">
-              <a:buNone/>
-            </a:pPr>
-            <a:r>
-              <a:rPr lang="en-US" dirty="0"/>
-              <a:t>We will write code to fetch an </a:t>
-            </a:r>
-            <a:r>
-              <a:rPr lang="en-US" dirty="0" err="1"/>
-              <a:t>obj</a:t>
-            </a:r>
-            <a:r>
-              <a:rPr lang="en-US" dirty="0"/>
-              <a:t> file kept on the server side</a:t>
-            </a:r>
-          </a:p>
-          <a:p>
-            <a:pPr marL="0" indent="0">
-              <a:buNone/>
-            </a:pPr>
-            <a:endParaRPr lang="en-US" dirty="0"/>
-          </a:p>
-          <a:p>
-            <a:pPr marL="0" indent="0">
-              <a:buNone/>
-            </a:pPr>
-            <a:r>
-              <a:rPr lang="en-US" dirty="0"/>
-              <a:t>The only slightly tricky part is that the fetch is done </a:t>
-            </a:r>
-            <a:r>
-              <a:rPr lang="en-US" i="1" dirty="0"/>
-              <a:t>asynchronously</a:t>
-            </a:r>
-          </a:p>
-          <a:p>
-            <a:r>
-              <a:rPr lang="en-US" dirty="0"/>
-              <a:t>Since the file read is asynchronous…</a:t>
-            </a:r>
-          </a:p>
-          <a:p>
-            <a:r>
-              <a:rPr lang="en-US" dirty="0"/>
-              <a:t>We need to not try to draw the mesh before the data is ready</a:t>
-            </a:r>
-          </a:p>
-        </p:txBody>
-      </p:sp>
-      <p:sp>
-        <p:nvSpPr>
-          <p:cNvPr id="4" name="TextBox 3">
-            <a:extLst>
-              <a:ext uri="{FF2B5EF4-FFF2-40B4-BE49-F238E27FC236}">
-                <a16:creationId xmlns:a16="http://schemas.microsoft.com/office/drawing/2014/main" id="{44F32648-BF73-428D-B566-4F14603B652B}"/>
-              </a:ext>
-            </a:extLst>
-          </p:cNvPr>
-          <p:cNvSpPr txBox="1"/>
-          <p:nvPr/>
-        </p:nvSpPr>
-        <p:spPr>
-          <a:xfrm>
-            <a:off x="8208105" y="885690"/>
-            <a:ext cx="3472425" cy="1754326"/>
-          </a:xfrm>
-          <a:prstGeom prst="rect">
-            <a:avLst/>
-          </a:prstGeom>
-          <a:noFill/>
-          <a:ln>
-            <a:solidFill>
-              <a:schemeClr val="accent2"/>
-            </a:solidFill>
-          </a:ln>
-        </p:spPr>
-        <p:txBody>
-          <a:bodyPr wrap="none" rtlCol="0">
-            <a:spAutoFit/>
-          </a:bodyPr>
-          <a:lstStyle/>
-          <a:p>
-            <a:r>
-              <a:rPr lang="en-US" dirty="0">
-                <a:latin typeface="Comic Sans MS" panose="030F0702030302020204" pitchFamily="66" charset="0"/>
-              </a:rPr>
-              <a:t>It would probably be more</a:t>
-            </a:r>
-            <a:br>
-              <a:rPr lang="en-US" dirty="0">
-                <a:latin typeface="Comic Sans MS" panose="030F0702030302020204" pitchFamily="66" charset="0"/>
-              </a:rPr>
-            </a:br>
-            <a:r>
-              <a:rPr lang="en-US" dirty="0">
-                <a:latin typeface="Comic Sans MS" panose="030F0702030302020204" pitchFamily="66" charset="0"/>
-              </a:rPr>
-              <a:t>useful to read and render</a:t>
-            </a:r>
-            <a:br>
-              <a:rPr lang="en-US" dirty="0">
-                <a:latin typeface="Comic Sans MS" panose="030F0702030302020204" pitchFamily="66" charset="0"/>
-              </a:rPr>
-            </a:br>
-            <a:r>
-              <a:rPr lang="en-US" dirty="0">
-                <a:latin typeface="Comic Sans MS" panose="030F0702030302020204" pitchFamily="66" charset="0"/>
-              </a:rPr>
-              <a:t>a file on the client side…but</a:t>
-            </a:r>
-            <a:br>
-              <a:rPr lang="en-US" dirty="0">
-                <a:latin typeface="Comic Sans MS" panose="030F0702030302020204" pitchFamily="66" charset="0"/>
-              </a:rPr>
-            </a:br>
-            <a:r>
-              <a:rPr lang="en-US" dirty="0">
-                <a:latin typeface="Comic Sans MS" panose="030F0702030302020204" pitchFamily="66" charset="0"/>
-              </a:rPr>
-              <a:t>for this MP, grading will be e</a:t>
-            </a:r>
-            <a:br>
-              <a:rPr lang="en-US" dirty="0">
-                <a:latin typeface="Comic Sans MS" panose="030F0702030302020204" pitchFamily="66" charset="0"/>
-              </a:rPr>
-            </a:br>
-            <a:r>
-              <a:rPr lang="en-US" dirty="0">
-                <a:latin typeface="Comic Sans MS" panose="030F0702030302020204" pitchFamily="66" charset="0"/>
-              </a:rPr>
-              <a:t>easier if we read a server side</a:t>
-            </a:r>
-          </a:p>
-          <a:p>
-            <a:r>
-              <a:rPr lang="en-US" dirty="0">
-                <a:latin typeface="Comic Sans MS" panose="030F0702030302020204" pitchFamily="66" charset="0"/>
-              </a:rPr>
-              <a:t>file… </a:t>
-            </a:r>
-          </a:p>
-        </p:txBody>
-      </p:sp>
-    </p:spTree>
-    <p:extLst>
-      <p:ext uri="{BB962C8B-B14F-4D97-AF65-F5344CB8AC3E}">
-        <p14:creationId xmlns:p14="http://schemas.microsoft.com/office/powerpoint/2010/main" val="2990231182"/>
-      </p:ext>
-    </p:extLst>
-  </p:cSld>
-  <p:clrMapOvr>
-    <a:masterClrMapping/>
-  </p:clrMapOvr>
-</p:sld>
-</file>
-
 <file path=ppt/slides/slide5.xml><?xml version="1.0" encoding="utf-8"?>
 <p:sld xmlns:a="http://schemas.openxmlformats.org/drawingml/2006/main" xmlns:r="http://schemas.openxmlformats.org/officeDocument/2006/relationships" xmlns:p="http://schemas.openxmlformats.org/presentationml/2006/main">
   <p:cSld>
@@ -6525,7 +5269,7 @@
           <p:cNvPr id="2" name="Title 1">
             <a:extLst>
               <a:ext uri="{FF2B5EF4-FFF2-40B4-BE49-F238E27FC236}">
-                <a16:creationId xmlns:a16="http://schemas.microsoft.com/office/drawing/2014/main" id="{876B3BDF-A390-4D6E-B557-36678080D1F2}"/>
+                <a16:creationId xmlns:a16="http://schemas.microsoft.com/office/drawing/2014/main" id="{E26D92D7-4893-4BBB-BDF9-58F1FC1F6D2B}"/>
               </a:ext>
             </a:extLst>
           </p:cNvPr>
@@ -6543,87 +5287,46 @@
           <a:p>
             <a:r>
               <a:rPr lang="en-US" dirty="0"/>
-              <a:t>function </a:t>
-            </a:r>
-            <a:r>
-              <a:rPr lang="en-US" dirty="0" err="1"/>
-              <a:t>setupMesh</a:t>
-            </a:r>
-            <a:r>
-              <a:rPr lang="en-US" dirty="0"/>
-              <a:t>(filename) </a:t>
-            </a:r>
-          </a:p>
-        </p:txBody>
-      </p:sp>
-      <p:sp>
-        <p:nvSpPr>
-          <p:cNvPr id="3" name="Content Placeholder 2">
+              <a:t>Dragon.obj</a:t>
+            </a:r>
+          </a:p>
+        </p:txBody>
+      </p:sp>
+      <p:pic>
+        <p:nvPicPr>
+          <p:cNvPr id="5" name="Content Placeholder 4">
             <a:extLst>
               <a:ext uri="{FF2B5EF4-FFF2-40B4-BE49-F238E27FC236}">
-                <a16:creationId xmlns:a16="http://schemas.microsoft.com/office/drawing/2014/main" id="{DDE95B7F-6E54-4979-B05E-0895CD44CAE5}"/>
+                <a16:creationId xmlns:a16="http://schemas.microsoft.com/office/drawing/2014/main" id="{DDA7D988-4DFC-47E0-8616-A140070CD2A5}"/>
               </a:ext>
             </a:extLst>
           </p:cNvPr>
-          <p:cNvSpPr>
-            <a:spLocks noGrp="1"/>
-          </p:cNvSpPr>
+          <p:cNvPicPr>
+            <a:picLocks noGrp="1" noChangeAspect="1"/>
+          </p:cNvPicPr>
           <p:nvPr>
             <p:ph idx="1"/>
           </p:nvPr>
-        </p:nvSpPr>
+        </p:nvPicPr>
+        <p:blipFill>
+          <a:blip r:embed="rId2"/>
+          <a:stretch>
+            <a:fillRect/>
+          </a:stretch>
+        </p:blipFill>
         <p:spPr>
           <a:xfrm>
-            <a:off x="838200" y="1690691"/>
-            <a:ext cx="10515600" cy="923922"/>
+            <a:off x="1566209" y="2115706"/>
+            <a:ext cx="3101975" cy="3139803"/>
           </a:xfrm>
         </p:spPr>
-        <p:txBody>
-          <a:bodyPr>
-            <a:normAutofit fontScale="55000" lnSpcReduction="20000"/>
-          </a:bodyPr>
-          <a:lstStyle/>
-          <a:p>
-            <a:pPr marL="0" indent="0">
-              <a:buNone/>
-            </a:pPr>
-            <a:r>
-              <a:rPr lang="en-US" dirty="0"/>
-              <a:t>To get the text asynchronously  from the server we will use a JavaScript promise</a:t>
-            </a:r>
-            <a:br>
-              <a:rPr lang="en-US" dirty="0"/>
-            </a:br>
-            <a:br>
-              <a:rPr lang="en-US" dirty="0"/>
-            </a:br>
-            <a:r>
-              <a:rPr lang="en-US" dirty="0"/>
-              <a:t>You can read about them:</a:t>
-            </a:r>
-            <a:br>
-              <a:rPr lang="en-US" dirty="0"/>
-            </a:br>
-            <a:r>
-              <a:rPr lang="en-US" dirty="0"/>
-              <a:t> </a:t>
-            </a:r>
-            <a:br>
-              <a:rPr lang="en-US" dirty="0"/>
-            </a:br>
-            <a:r>
-              <a:rPr lang="en-US" dirty="0"/>
-              <a:t>https://developer.mozilla.org/en-US/docs/Web/JavaScript/Guide/Using_promises</a:t>
-            </a:r>
-          </a:p>
-        </p:txBody>
-      </p:sp>
+      </p:pic>
       <p:pic>
         <p:nvPicPr>
-          <p:cNvPr id="4" name="Picture 3">
+          <p:cNvPr id="7" name="Picture 6">
             <a:extLst>
               <a:ext uri="{FF2B5EF4-FFF2-40B4-BE49-F238E27FC236}">
-                <a16:creationId xmlns:a16="http://schemas.microsoft.com/office/drawing/2014/main" id="{AD19B51A-336A-467B-8F5C-682CC7102C59}"/>
+                <a16:creationId xmlns:a16="http://schemas.microsoft.com/office/drawing/2014/main" id="{4A1375B6-D695-45D8-9DB2-B9C41E0012FF}"/>
               </a:ext>
             </a:extLst>
           </p:cNvPr>
@@ -6633,15 +5336,15 @@
           <p:nvPr/>
         </p:nvPicPr>
         <p:blipFill>
-          <a:blip r:embed="rId2"/>
+          <a:blip r:embed="rId3"/>
           <a:stretch>
             <a:fillRect/>
           </a:stretch>
         </p:blipFill>
         <p:spPr>
           <a:xfrm>
-            <a:off x="933450" y="2792551"/>
-            <a:ext cx="9001124" cy="3614272"/>
+            <a:off x="6114623" y="2817413"/>
+            <a:ext cx="4871824" cy="1975582"/>
           </a:xfrm>
           <a:prstGeom prst="rect">
             <a:avLst/>
@@ -6651,7 +5354,7 @@
     </p:spTree>
     <p:extLst>
       <p:ext uri="{BB962C8B-B14F-4D97-AF65-F5344CB8AC3E}">
-        <p14:creationId xmlns:p14="http://schemas.microsoft.com/office/powerpoint/2010/main" val="1643174609"/>
+        <p14:creationId xmlns:p14="http://schemas.microsoft.com/office/powerpoint/2010/main" val="1681268204"/>
       </p:ext>
     </p:extLst>
   </p:cSld>
@@ -6683,7 +5386,7 @@
           <p:cNvPr id="2" name="Title 1">
             <a:extLst>
               <a:ext uri="{FF2B5EF4-FFF2-40B4-BE49-F238E27FC236}">
-                <a16:creationId xmlns:a16="http://schemas.microsoft.com/office/drawing/2014/main" id="{72ADC9E7-6E69-4E34-9EBC-723E111F2730}"/>
+                <a16:creationId xmlns:a16="http://schemas.microsoft.com/office/drawing/2014/main" id="{0D7668EB-42CD-4340-B337-5DBF76F9FDB8}"/>
               </a:ext>
             </a:extLst>
           </p:cNvPr>
@@ -6701,69 +5404,46 @@
           <a:p>
             <a:r>
               <a:rPr lang="en-US" dirty="0"/>
-              <a:t>function </a:t>
-            </a:r>
-            <a:r>
-              <a:rPr lang="en-US" dirty="0" err="1"/>
-              <a:t>asyncGetFile</a:t>
-            </a:r>
-            <a:r>
-              <a:rPr lang="en-US" dirty="0"/>
-              <a:t>(</a:t>
-            </a:r>
-            <a:r>
-              <a:rPr lang="en-US" dirty="0" err="1"/>
-              <a:t>url</a:t>
-            </a:r>
-            <a:r>
-              <a:rPr lang="en-US" dirty="0"/>
-              <a:t>) in HelloMesh.js</a:t>
-            </a:r>
-          </a:p>
-        </p:txBody>
-      </p:sp>
-      <p:sp>
-        <p:nvSpPr>
-          <p:cNvPr id="3" name="Content Placeholder 2">
+              <a:t>Bunny.obj</a:t>
+            </a:r>
+          </a:p>
+        </p:txBody>
+      </p:sp>
+      <p:pic>
+        <p:nvPicPr>
+          <p:cNvPr id="5" name="Content Placeholder 4">
             <a:extLst>
               <a:ext uri="{FF2B5EF4-FFF2-40B4-BE49-F238E27FC236}">
-                <a16:creationId xmlns:a16="http://schemas.microsoft.com/office/drawing/2014/main" id="{556D8B50-6E87-4115-826D-56B3E8DAD039}"/>
+                <a16:creationId xmlns:a16="http://schemas.microsoft.com/office/drawing/2014/main" id="{7840F622-567E-4981-A544-3DD92F6F1D48}"/>
               </a:ext>
             </a:extLst>
           </p:cNvPr>
-          <p:cNvSpPr>
-            <a:spLocks noGrp="1"/>
-          </p:cNvSpPr>
+          <p:cNvPicPr>
+            <a:picLocks noGrp="1" noChangeAspect="1"/>
+          </p:cNvPicPr>
           <p:nvPr>
             <p:ph idx="1"/>
           </p:nvPr>
-        </p:nvSpPr>
+        </p:nvPicPr>
+        <p:blipFill>
+          <a:blip r:embed="rId2"/>
+          <a:stretch>
+            <a:fillRect/>
+          </a:stretch>
+        </p:blipFill>
         <p:spPr>
           <a:xfrm>
-            <a:off x="838200" y="1825625"/>
-            <a:ext cx="10515600" cy="512763"/>
+            <a:off x="1021207" y="1934482"/>
+            <a:ext cx="3639928" cy="4351338"/>
           </a:xfrm>
         </p:spPr>
-        <p:txBody>
-          <a:bodyPr/>
-          <a:lstStyle/>
-          <a:p>
-            <a:pPr marL="0" indent="0">
-              <a:buNone/>
-            </a:pPr>
-            <a:r>
-              <a:rPr lang="en-US" dirty="0"/>
-              <a:t>Add this code:</a:t>
-            </a:r>
-          </a:p>
-        </p:txBody>
-      </p:sp>
+      </p:pic>
       <p:pic>
         <p:nvPicPr>
-          <p:cNvPr id="4" name="Picture 3">
+          <p:cNvPr id="6" name="Picture 5">
             <a:extLst>
               <a:ext uri="{FF2B5EF4-FFF2-40B4-BE49-F238E27FC236}">
-                <a16:creationId xmlns:a16="http://schemas.microsoft.com/office/drawing/2014/main" id="{4BA13824-5458-4C13-9EE3-063EA258AC2F}"/>
+                <a16:creationId xmlns:a16="http://schemas.microsoft.com/office/drawing/2014/main" id="{64D8D8C4-3E01-4570-8A51-13204F216299}"/>
               </a:ext>
             </a:extLst>
           </p:cNvPr>
@@ -6773,30 +5453,25 @@
           <p:nvPr/>
         </p:nvPicPr>
         <p:blipFill>
-          <a:blip r:embed="rId2"/>
+          <a:blip r:embed="rId3"/>
           <a:stretch>
             <a:fillRect/>
           </a:stretch>
         </p:blipFill>
         <p:spPr>
           <a:xfrm>
-            <a:off x="925585" y="2400300"/>
-            <a:ext cx="7089358" cy="4191002"/>
+            <a:off x="6202552" y="2946059"/>
+            <a:ext cx="4501976" cy="2023155"/>
           </a:xfrm>
           <a:prstGeom prst="rect">
             <a:avLst/>
           </a:prstGeom>
-          <a:ln>
-            <a:solidFill>
-              <a:schemeClr val="accent2"/>
-            </a:solidFill>
-          </a:ln>
         </p:spPr>
       </p:pic>
     </p:spTree>
     <p:extLst>
       <p:ext uri="{BB962C8B-B14F-4D97-AF65-F5344CB8AC3E}">
-        <p14:creationId xmlns:p14="http://schemas.microsoft.com/office/powerpoint/2010/main" val="3907316594"/>
+        <p14:creationId xmlns:p14="http://schemas.microsoft.com/office/powerpoint/2010/main" val="1505631246"/>
       </p:ext>
     </p:extLst>
   </p:cSld>
@@ -6828,7 +5503,7 @@
           <p:cNvPr id="2" name="Title 1">
             <a:extLst>
               <a:ext uri="{FF2B5EF4-FFF2-40B4-BE49-F238E27FC236}">
-                <a16:creationId xmlns:a16="http://schemas.microsoft.com/office/drawing/2014/main" id="{D5EB6ECD-3ED0-4DE3-BF33-AD4EFB250A9D}"/>
+                <a16:creationId xmlns:a16="http://schemas.microsoft.com/office/drawing/2014/main" id="{A8DE70EB-3C1C-4035-8EB1-AD8BA8876D33}"/>
               </a:ext>
             </a:extLst>
           </p:cNvPr>
@@ -6846,88 +5521,46 @@
           <a:p>
             <a:r>
               <a:rPr lang="en-US" dirty="0"/>
-              <a:t>Function </a:t>
-            </a:r>
-            <a:r>
-              <a:rPr lang="en-US" dirty="0" err="1"/>
-              <a:t>setupMesh</a:t>
-            </a:r>
-            <a:r>
-              <a:rPr lang="en-US" dirty="0"/>
-              <a:t> in HelloMesh.js</a:t>
-            </a:r>
-          </a:p>
-        </p:txBody>
-      </p:sp>
-      <p:sp>
-        <p:nvSpPr>
-          <p:cNvPr id="3" name="Content Placeholder 2">
+              <a:t>Teapot.obj</a:t>
+            </a:r>
+          </a:p>
+        </p:txBody>
+      </p:sp>
+      <p:pic>
+        <p:nvPicPr>
+          <p:cNvPr id="5" name="Content Placeholder 4">
             <a:extLst>
               <a:ext uri="{FF2B5EF4-FFF2-40B4-BE49-F238E27FC236}">
-                <a16:creationId xmlns:a16="http://schemas.microsoft.com/office/drawing/2014/main" id="{5741A888-6A41-4ABF-B332-871DF2B911F3}"/>
+                <a16:creationId xmlns:a16="http://schemas.microsoft.com/office/drawing/2014/main" id="{8DC1798C-00B7-4489-8EA9-D1A815E4780C}"/>
               </a:ext>
             </a:extLst>
           </p:cNvPr>
-          <p:cNvSpPr>
-            <a:spLocks noGrp="1"/>
-          </p:cNvSpPr>
+          <p:cNvPicPr>
+            <a:picLocks noGrp="1" noChangeAspect="1"/>
+          </p:cNvPicPr>
           <p:nvPr>
             <p:ph idx="1"/>
           </p:nvPr>
-        </p:nvSpPr>
+        </p:nvPicPr>
+        <p:blipFill>
+          <a:blip r:embed="rId2"/>
+          <a:stretch>
+            <a:fillRect/>
+          </a:stretch>
+        </p:blipFill>
         <p:spPr>
           <a:xfrm>
-            <a:off x="990600" y="1540668"/>
-            <a:ext cx="10515600" cy="1122363"/>
+            <a:off x="372556" y="2000765"/>
+            <a:ext cx="4001058" cy="4001058"/>
           </a:xfrm>
         </p:spPr>
-        <p:txBody>
-          <a:bodyPr>
-            <a:normAutofit/>
-          </a:bodyPr>
-          <a:lstStyle/>
-          <a:p>
-            <a:pPr marL="0" indent="0">
-              <a:buNone/>
-            </a:pPr>
-            <a:r>
-              <a:rPr lang="en-US" sz="2000" dirty="0"/>
-              <a:t>Now use that </a:t>
-            </a:r>
-            <a:r>
-              <a:rPr lang="en-US" sz="2000" dirty="0" err="1"/>
-              <a:t>asyncGetFile</a:t>
-            </a:r>
-            <a:r>
-              <a:rPr lang="en-US" sz="2000" dirty="0"/>
-              <a:t> function you wrote to fetch the cow.obj file</a:t>
-            </a:r>
-          </a:p>
-          <a:p>
-            <a:pPr marL="0" indent="0">
-              <a:buNone/>
-            </a:pPr>
-            <a:r>
-              <a:rPr lang="en-US" sz="2000" dirty="0"/>
-              <a:t>…and give it to the </a:t>
-            </a:r>
-            <a:r>
-              <a:rPr lang="en-US" sz="2000" dirty="0" err="1"/>
-              <a:t>TriMesh</a:t>
-            </a:r>
-            <a:r>
-              <a:rPr lang="en-US" sz="2000" dirty="0"/>
-              <a:t> object to be parsed…</a:t>
-            </a:r>
-          </a:p>
-        </p:txBody>
-      </p:sp>
+      </p:pic>
       <p:pic>
         <p:nvPicPr>
-          <p:cNvPr id="4" name="Picture 3">
+          <p:cNvPr id="6" name="Picture 5">
             <a:extLst>
               <a:ext uri="{FF2B5EF4-FFF2-40B4-BE49-F238E27FC236}">
-                <a16:creationId xmlns:a16="http://schemas.microsoft.com/office/drawing/2014/main" id="{5BB938E6-E2E4-42C6-8D0F-0D49A75DF5CF}"/>
+                <a16:creationId xmlns:a16="http://schemas.microsoft.com/office/drawing/2014/main" id="{A84C6B77-38E4-453A-B7D3-3ACF4CE38DD6}"/>
               </a:ext>
             </a:extLst>
           </p:cNvPr>
@@ -6937,30 +5570,25 @@
           <p:nvPr/>
         </p:nvPicPr>
         <p:blipFill>
-          <a:blip r:embed="rId2"/>
+          <a:blip r:embed="rId3"/>
           <a:stretch>
             <a:fillRect/>
           </a:stretch>
         </p:blipFill>
         <p:spPr>
           <a:xfrm>
-            <a:off x="1583056" y="2467582"/>
-            <a:ext cx="7827172" cy="3976949"/>
+            <a:off x="5147551" y="3047911"/>
+            <a:ext cx="4146574" cy="1743254"/>
           </a:xfrm>
           <a:prstGeom prst="rect">
             <a:avLst/>
           </a:prstGeom>
-          <a:ln>
-            <a:solidFill>
-              <a:schemeClr val="accent2"/>
-            </a:solidFill>
-          </a:ln>
         </p:spPr>
       </p:pic>
     </p:spTree>
     <p:extLst>
       <p:ext uri="{BB962C8B-B14F-4D97-AF65-F5344CB8AC3E}">
-        <p14:creationId xmlns:p14="http://schemas.microsoft.com/office/powerpoint/2010/main" val="3587573985"/>
+        <p14:creationId xmlns:p14="http://schemas.microsoft.com/office/powerpoint/2010/main" val="278809988"/>
       </p:ext>
     </p:extLst>
   </p:cSld>
@@ -6992,7 +5620,7 @@
           <p:cNvPr id="2" name="Title 1">
             <a:extLst>
               <a:ext uri="{FF2B5EF4-FFF2-40B4-BE49-F238E27FC236}">
-                <a16:creationId xmlns:a16="http://schemas.microsoft.com/office/drawing/2014/main" id="{CEC204A6-C4F1-44F7-8119-48AB206CAD5F}"/>
+                <a16:creationId xmlns:a16="http://schemas.microsoft.com/office/drawing/2014/main" id="{51B36262-59B2-4BDB-A78B-F826465D1BBD}"/>
               </a:ext>
             </a:extLst>
           </p:cNvPr>
@@ -7010,166 +5638,46 @@
           <a:p>
             <a:r>
               <a:rPr lang="en-US" dirty="0"/>
-              <a:t>function draw() in HelloMesh.js</a:t>
-            </a:r>
-          </a:p>
-        </p:txBody>
-      </p:sp>
-      <p:sp>
-        <p:nvSpPr>
-          <p:cNvPr id="3" name="Content Placeholder 2">
+              <a:t>Cow.obj</a:t>
+            </a:r>
+          </a:p>
+        </p:txBody>
+      </p:sp>
+      <p:pic>
+        <p:nvPicPr>
+          <p:cNvPr id="5" name="Content Placeholder 4">
             <a:extLst>
               <a:ext uri="{FF2B5EF4-FFF2-40B4-BE49-F238E27FC236}">
-                <a16:creationId xmlns:a16="http://schemas.microsoft.com/office/drawing/2014/main" id="{2F99A4E9-15A7-40A3-8317-174A9380C448}"/>
+                <a16:creationId xmlns:a16="http://schemas.microsoft.com/office/drawing/2014/main" id="{5E887E2A-848B-4543-AA20-1B64C685687C}"/>
               </a:ext>
             </a:extLst>
           </p:cNvPr>
-          <p:cNvSpPr>
-            <a:spLocks noGrp="1"/>
-          </p:cNvSpPr>
+          <p:cNvPicPr>
+            <a:picLocks noGrp="1" noChangeAspect="1"/>
+          </p:cNvPicPr>
           <p:nvPr>
             <p:ph idx="1"/>
           </p:nvPr>
-        </p:nvSpPr>
+        </p:nvPicPr>
+        <p:blipFill>
+          <a:blip r:embed="rId2"/>
+          <a:stretch>
+            <a:fillRect/>
+          </a:stretch>
+        </p:blipFill>
         <p:spPr>
           <a:xfrm>
-            <a:off x="346635" y="2001564"/>
-            <a:ext cx="11294828" cy="4351338"/>
+            <a:off x="1269452" y="1690690"/>
+            <a:ext cx="3402421" cy="4351338"/>
           </a:xfrm>
         </p:spPr>
-        <p:txBody>
-          <a:bodyPr/>
-          <a:lstStyle/>
-          <a:p>
-            <a:pPr marL="0" indent="0">
-              <a:buNone/>
-            </a:pPr>
-            <a:r>
-              <a:rPr lang="en-US" dirty="0"/>
-              <a:t>Stop </a:t>
-            </a:r>
-            <a:r>
-              <a:rPr lang="en-US" dirty="0" err="1">
-                <a:latin typeface="Courier New" panose="02070309020205020404" pitchFamily="49" charset="0"/>
-                <a:cs typeface="Courier New" panose="02070309020205020404" pitchFamily="49" charset="0"/>
-              </a:rPr>
-              <a:t>myMesh</a:t>
-            </a:r>
-            <a:r>
-              <a:rPr lang="en-US" dirty="0"/>
-              <a:t> from being drawn before it is ready </a:t>
-            </a:r>
-          </a:p>
-          <a:p>
-            <a:pPr marL="0" indent="0">
-              <a:buNone/>
-            </a:pPr>
-            <a:r>
-              <a:rPr lang="en-US" dirty="0"/>
-              <a:t>…add an if statement to prevent this</a:t>
-            </a:r>
-          </a:p>
-          <a:p>
-            <a:pPr marL="0" indent="0">
-              <a:buNone/>
-            </a:pPr>
-            <a:endParaRPr lang="en-US" dirty="0"/>
-          </a:p>
-          <a:p>
-            <a:pPr marL="0" indent="0">
-              <a:buNone/>
-            </a:pPr>
-            <a:r>
-              <a:rPr lang="en-US" dirty="0"/>
-              <a:t>Which </a:t>
-            </a:r>
-            <a:r>
-              <a:rPr lang="en-US" dirty="0" err="1"/>
-              <a:t>TriMesh</a:t>
-            </a:r>
-            <a:r>
-              <a:rPr lang="en-US" dirty="0"/>
-              <a:t> function will be useful?</a:t>
-            </a:r>
-          </a:p>
-        </p:txBody>
-      </p:sp>
-    </p:spTree>
-    <p:extLst>
-      <p:ext uri="{BB962C8B-B14F-4D97-AF65-F5344CB8AC3E}">
-        <p14:creationId xmlns:p14="http://schemas.microsoft.com/office/powerpoint/2010/main" val="2934868917"/>
-      </p:ext>
-    </p:extLst>
-  </p:cSld>
-  <p:clrMapOvr>
-    <a:masterClrMapping/>
-  </p:clrMapOvr>
-</p:sld>
-</file>
-
-<file path=ppt/slides/slide9.xml><?xml version="1.0" encoding="utf-8"?>
-<p:sld xmlns:a="http://schemas.openxmlformats.org/drawingml/2006/main" xmlns:r="http://schemas.openxmlformats.org/officeDocument/2006/relationships" xmlns:p="http://schemas.openxmlformats.org/presentationml/2006/main">
-  <p:cSld>
-    <p:spTree>
-      <p:nvGrpSpPr>
-        <p:cNvPr id="1" name=""/>
-        <p:cNvGrpSpPr/>
-        <p:nvPr/>
-      </p:nvGrpSpPr>
-      <p:grpSpPr>
-        <a:xfrm>
-          <a:off x="0" y="0"/>
-          <a:ext cx="0" cy="0"/>
-          <a:chOff x="0" y="0"/>
-          <a:chExt cx="0" cy="0"/>
-        </a:xfrm>
-      </p:grpSpPr>
-      <p:sp>
-        <p:nvSpPr>
-          <p:cNvPr id="2" name="Title 1">
+      </p:pic>
+      <p:pic>
+        <p:nvPicPr>
+          <p:cNvPr id="6" name="Picture 5">
             <a:extLst>
               <a:ext uri="{FF2B5EF4-FFF2-40B4-BE49-F238E27FC236}">
-                <a16:creationId xmlns:a16="http://schemas.microsoft.com/office/drawing/2014/main" id="{78E36985-20D2-4D19-8A1D-5CBCDD11F251}"/>
-              </a:ext>
-            </a:extLst>
-          </p:cNvPr>
-          <p:cNvSpPr>
-            <a:spLocks noGrp="1"/>
-          </p:cNvSpPr>
-          <p:nvPr>
-            <p:ph type="title"/>
-          </p:nvPr>
-        </p:nvSpPr>
-        <p:spPr/>
-        <p:txBody>
-          <a:bodyPr/>
-          <a:lstStyle/>
-          <a:p>
-            <a:r>
-              <a:rPr lang="en-US" dirty="0" err="1"/>
-              <a:t>loadFromOBJ</a:t>
-            </a:r>
-            <a:r>
-              <a:rPr lang="en-US" dirty="0"/>
-              <a:t>(</a:t>
-            </a:r>
-            <a:r>
-              <a:rPr lang="en-US" dirty="0" err="1"/>
-              <a:t>fileText</a:t>
-            </a:r>
-            <a:r>
-              <a:rPr lang="en-US" dirty="0"/>
-              <a:t>) in TriMesh.js</a:t>
-            </a:r>
-          </a:p>
-        </p:txBody>
-      </p:sp>
-      <p:pic>
-        <p:nvPicPr>
-          <p:cNvPr id="4" name="Picture 3">
-            <a:extLst>
-              <a:ext uri="{FF2B5EF4-FFF2-40B4-BE49-F238E27FC236}">
-                <a16:creationId xmlns:a16="http://schemas.microsoft.com/office/drawing/2014/main" id="{66CB9BE3-0039-4825-8741-E14A010EA9AC}"/>
+                <a16:creationId xmlns:a16="http://schemas.microsoft.com/office/drawing/2014/main" id="{ED7E90F6-4FA9-4DBE-AA8B-E57446151608}"/>
               </a:ext>
             </a:extLst>
           </p:cNvPr>
@@ -7179,73 +5687,25 @@
           <p:nvPr/>
         </p:nvPicPr>
         <p:blipFill>
-          <a:blip r:embed="rId2"/>
+          <a:blip r:embed="rId3"/>
           <a:stretch>
             <a:fillRect/>
           </a:stretch>
         </p:blipFill>
         <p:spPr>
           <a:xfrm>
-            <a:off x="1715247" y="2403157"/>
-            <a:ext cx="8542724" cy="4139164"/>
+            <a:off x="6316496" y="2695202"/>
+            <a:ext cx="3728256" cy="1667106"/>
           </a:xfrm>
           <a:prstGeom prst="rect">
             <a:avLst/>
           </a:prstGeom>
-          <a:ln>
-            <a:solidFill>
-              <a:schemeClr val="accent2"/>
-            </a:solidFill>
-          </a:ln>
         </p:spPr>
       </p:pic>
-      <p:sp>
-        <p:nvSpPr>
-          <p:cNvPr id="3" name="TextBox 2">
-            <a:extLst>
-              <a:ext uri="{FF2B5EF4-FFF2-40B4-BE49-F238E27FC236}">
-                <a16:creationId xmlns:a16="http://schemas.microsoft.com/office/drawing/2014/main" id="{14811B59-71EC-44A8-A18B-68D44A1B2091}"/>
-              </a:ext>
-            </a:extLst>
-          </p:cNvPr>
-          <p:cNvSpPr txBox="1"/>
-          <p:nvPr/>
-        </p:nvSpPr>
-        <p:spPr>
-          <a:xfrm>
-            <a:off x="1039905" y="1690690"/>
-            <a:ext cx="4793129" cy="369332"/>
-          </a:xfrm>
-          <a:prstGeom prst="rect">
-            <a:avLst/>
-          </a:prstGeom>
-          <a:noFill/>
-        </p:spPr>
-        <p:txBody>
-          <a:bodyPr wrap="square" rtlCol="0">
-            <a:spAutoFit/>
-          </a:bodyPr>
-          <a:lstStyle/>
-          <a:p>
-            <a:r>
-              <a:rPr lang="en-US" dirty="0"/>
-              <a:t>Finally…write code </a:t>
-            </a:r>
-            <a:r>
-              <a:rPr lang="en-US" dirty="0" err="1"/>
-              <a:t>toparse</a:t>
-            </a:r>
-            <a:r>
-              <a:rPr lang="en-US" dirty="0"/>
-              <a:t> the text file….</a:t>
-            </a:r>
-          </a:p>
-        </p:txBody>
-      </p:sp>
     </p:spTree>
     <p:extLst>
       <p:ext uri="{BB962C8B-B14F-4D97-AF65-F5344CB8AC3E}">
-        <p14:creationId xmlns:p14="http://schemas.microsoft.com/office/powerpoint/2010/main" val="1942731471"/>
+        <p14:creationId xmlns:p14="http://schemas.microsoft.com/office/powerpoint/2010/main" val="3430682878"/>
       </p:ext>
     </p:extLst>
   </p:cSld>
